--- a/Treinamento GIT.pptx
+++ b/Treinamento GIT.pptx
@@ -5,7 +5,7 @@
     <p:sldMasterId id="2147483659" r:id="rId1"/>
   </p:sldMasterIdLst>
   <p:notesMasterIdLst>
-    <p:notesMasterId r:id="rId19"/>
+    <p:notesMasterId r:id="rId20"/>
   </p:notesMasterIdLst>
   <p:sldIdLst>
     <p:sldId id="256" r:id="rId2"/>
@@ -24,24 +24,25 @@
     <p:sldId id="269" r:id="rId15"/>
     <p:sldId id="266" r:id="rId16"/>
     <p:sldId id="271" r:id="rId17"/>
-    <p:sldId id="272" r:id="rId18"/>
+    <p:sldId id="273" r:id="rId18"/>
+    <p:sldId id="272" r:id="rId19"/>
   </p:sldIdLst>
   <p:sldSz cx="9144000" cy="5143500" type="screen16x9"/>
   <p:notesSz cx="6858000" cy="9144000"/>
   <p:embeddedFontLst>
     <p:embeddedFont>
       <p:font typeface="Lato" panose="020B0604020202020204" charset="0"/>
-      <p:regular r:id="rId20"/>
-      <p:bold r:id="rId21"/>
-      <p:italic r:id="rId22"/>
-      <p:boldItalic r:id="rId23"/>
+      <p:regular r:id="rId21"/>
+      <p:bold r:id="rId22"/>
+      <p:italic r:id="rId23"/>
+      <p:boldItalic r:id="rId24"/>
     </p:embeddedFont>
     <p:embeddedFont>
       <p:font typeface="Raleway" panose="020B0604020202020204" charset="0"/>
-      <p:regular r:id="rId24"/>
-      <p:bold r:id="rId25"/>
-      <p:italic r:id="rId26"/>
-      <p:boldItalic r:id="rId27"/>
+      <p:regular r:id="rId25"/>
+      <p:bold r:id="rId26"/>
+      <p:italic r:id="rId27"/>
+      <p:boldItalic r:id="rId28"/>
     </p:embeddedFont>
   </p:embeddedFontLst>
   <p:defaultTextStyle>
@@ -1570,6 +1571,115 @@
   <p:cSld>
     <p:spTree>
       <p:nvGrpSpPr>
+        <p:cNvPr id="1" name="Shape 183"/>
+        <p:cNvGrpSpPr/>
+        <p:nvPr/>
+      </p:nvGrpSpPr>
+      <p:grpSpPr>
+        <a:xfrm>
+          <a:off x="0" y="0"/>
+          <a:ext cx="0" cy="0"/>
+          <a:chOff x="0" y="0"/>
+          <a:chExt cx="0" cy="0"/>
+        </a:xfrm>
+      </p:grpSpPr>
+      <p:sp>
+        <p:nvSpPr>
+          <p:cNvPr id="184" name="Google Shape;184;gb87f716044_0_176:notes"/>
+          <p:cNvSpPr>
+            <a:spLocks noGrp="1" noRot="1" noChangeAspect="1"/>
+          </p:cNvSpPr>
+          <p:nvPr>
+            <p:ph type="sldImg" idx="2"/>
+          </p:nvPr>
+        </p:nvSpPr>
+        <p:spPr>
+          <a:xfrm>
+            <a:off x="381000" y="685800"/>
+            <a:ext cx="6096000" cy="3429000"/>
+          </a:xfrm>
+          <a:custGeom>
+            <a:avLst/>
+            <a:gdLst/>
+            <a:ahLst/>
+            <a:cxnLst/>
+            <a:rect l="l" t="t" r="r" b="b"/>
+            <a:pathLst>
+              <a:path w="120000" h="120000" extrusionOk="0">
+                <a:moveTo>
+                  <a:pt x="0" y="0"/>
+                </a:moveTo>
+                <a:lnTo>
+                  <a:pt x="120000" y="0"/>
+                </a:lnTo>
+                <a:lnTo>
+                  <a:pt x="120000" y="120000"/>
+                </a:lnTo>
+                <a:lnTo>
+                  <a:pt x="0" y="120000"/>
+                </a:lnTo>
+                <a:close/>
+              </a:path>
+            </a:pathLst>
+          </a:custGeom>
+        </p:spPr>
+      </p:sp>
+      <p:sp>
+        <p:nvSpPr>
+          <p:cNvPr id="185" name="Google Shape;185;gb87f716044_0_176:notes"/>
+          <p:cNvSpPr txBox="1">
+            <a:spLocks noGrp="1"/>
+          </p:cNvSpPr>
+          <p:nvPr>
+            <p:ph type="body" idx="1"/>
+          </p:nvPr>
+        </p:nvSpPr>
+        <p:spPr>
+          <a:xfrm>
+            <a:off x="685800" y="4343400"/>
+            <a:ext cx="5486400" cy="4114800"/>
+          </a:xfrm>
+          <a:prstGeom prst="rect">
+            <a:avLst/>
+          </a:prstGeom>
+        </p:spPr>
+        <p:txBody>
+          <a:bodyPr spcFirstLastPara="1" wrap="square" lIns="91425" tIns="91425" rIns="91425" bIns="91425" anchor="t" anchorCtr="0">
+            <a:noAutofit/>
+          </a:bodyPr>
+          <a:lstStyle/>
+          <a:p>
+            <a:pPr marL="0" lvl="0" indent="0" algn="l" rtl="0">
+              <a:spcBef>
+                <a:spcPts val="0"/>
+              </a:spcBef>
+              <a:spcAft>
+                <a:spcPts val="0"/>
+              </a:spcAft>
+              <a:buNone/>
+            </a:pPr>
+            <a:endParaRPr/>
+          </a:p>
+        </p:txBody>
+      </p:sp>
+    </p:spTree>
+    <p:extLst>
+      <p:ext uri="{BB962C8B-B14F-4D97-AF65-F5344CB8AC3E}">
+        <p14:creationId xmlns:p14="http://schemas.microsoft.com/office/powerpoint/2010/main" val="2669512746"/>
+      </p:ext>
+    </p:extLst>
+  </p:cSld>
+  <p:clrMapOvr>
+    <a:masterClrMapping/>
+  </p:clrMapOvr>
+</p:notes>
+</file>
+
+<file path=ppt/notesSlides/notesSlide18.xml><?xml version="1.0" encoding="utf-8"?>
+<p:notes xmlns:a="http://schemas.openxmlformats.org/drawingml/2006/main" xmlns:r="http://schemas.openxmlformats.org/officeDocument/2006/relationships" xmlns:p="http://schemas.openxmlformats.org/presentationml/2006/main" showMasterSp="0" showMasterPhAnim="0">
+  <p:cSld>
+    <p:spTree>
+      <p:nvGrpSpPr>
         <p:cNvPr id="1" name="Shape 190"/>
         <p:cNvGrpSpPr/>
         <p:nvPr/>
@@ -2218,7 +2328,7 @@
         </p:nvSpPr>
         <p:spPr>
           <a:xfrm>
-            <a:off x="381300" y="685800"/>
+            <a:off x="381000" y="685800"/>
             <a:ext cx="6096000" cy="3429000"/>
           </a:xfrm>
           <a:custGeom>
@@ -2426,7 +2536,7 @@
         </p:nvSpPr>
         <p:spPr>
           <a:xfrm>
-            <a:off x="381300" y="685800"/>
+            <a:off x="381000" y="685800"/>
             <a:ext cx="6096000" cy="3429000"/>
           </a:xfrm>
           <a:custGeom>
@@ -8743,33 +8853,33 @@
           </a:bodyPr>
           <a:lstStyle/>
           <a:p>
-            <a:pPr marL="457200" lvl="0" indent="-317500" algn="l" rtl="0">
-              <a:spcBef>
-                <a:spcPts val="0"/>
-              </a:spcBef>
-              <a:spcAft>
-                <a:spcPts val="0"/>
-              </a:spcAft>
-              <a:buClr>
-                <a:schemeClr val="dk1"/>
-              </a:buClr>
-              <a:buSzPts val="1400"/>
-              <a:buFont typeface="Raleway"/>
-              <a:buChar char="●"/>
+            <a:pPr marL="457200" lvl="0" indent="0" algn="l" rtl="0">
+              <a:spcBef>
+                <a:spcPts val="700"/>
+              </a:spcBef>
+              <a:spcAft>
+                <a:spcPts val="0"/>
+              </a:spcAft>
+              <a:buNone/>
             </a:pPr>
-            <a:r>
-              <a:rPr lang="pt-BR" sz="1400" b="1">
-                <a:solidFill>
-                  <a:schemeClr val="dk1"/>
-                </a:solidFill>
-                <a:latin typeface="Raleway"/>
-                <a:ea typeface="Raleway"/>
-                <a:cs typeface="Raleway"/>
-                <a:sym typeface="Raleway"/>
-              </a:rPr>
-              <a:t>Arquivo adicionado ao projeto para ignorar arquivos</a:t>
-            </a:r>
-            <a:endParaRPr sz="1400" b="1">
+            <a:endParaRPr sz="1200" dirty="0">
+              <a:latin typeface="Raleway"/>
+              <a:ea typeface="Raleway"/>
+              <a:cs typeface="Raleway"/>
+              <a:sym typeface="Raleway"/>
+            </a:endParaRPr>
+          </a:p>
+          <a:p>
+            <a:pPr marL="0" lvl="0" indent="0" algn="l" rtl="0">
+              <a:spcBef>
+                <a:spcPts val="700"/>
+              </a:spcBef>
+              <a:spcAft>
+                <a:spcPts val="0"/>
+              </a:spcAft>
+              <a:buNone/>
+            </a:pPr>
+            <a:endParaRPr sz="1400" b="1" dirty="0">
               <a:solidFill>
                 <a:schemeClr val="dk1"/>
               </a:solidFill>
@@ -8785,30 +8895,13 @@
                 <a:spcPts val="700"/>
               </a:spcBef>
               <a:spcAft>
-                <a:spcPts val="0"/>
+                <a:spcPts val="700"/>
               </a:spcAft>
               <a:buNone/>
             </a:pPr>
-            <a:endParaRPr sz="1200">
-              <a:latin typeface="Raleway"/>
-              <a:ea typeface="Raleway"/>
-              <a:cs typeface="Raleway"/>
-              <a:sym typeface="Raleway"/>
-            </a:endParaRPr>
-          </a:p>
-          <a:p>
-            <a:pPr marL="0" lvl="0" indent="0" algn="l" rtl="0">
-              <a:spcBef>
-                <a:spcPts val="700"/>
-              </a:spcBef>
-              <a:spcAft>
-                <a:spcPts val="0"/>
-              </a:spcAft>
-              <a:buNone/>
-            </a:pPr>
-            <a:endParaRPr sz="1400" b="1">
+            <a:endParaRPr sz="1200" dirty="0">
               <a:solidFill>
-                <a:schemeClr val="dk1"/>
+                <a:schemeClr val="dk2"/>
               </a:solidFill>
               <a:latin typeface="Raleway"/>
               <a:ea typeface="Raleway"/>
@@ -8816,20 +8909,343 @@
               <a:sym typeface="Raleway"/>
             </a:endParaRPr>
           </a:p>
+        </p:txBody>
+      </p:sp>
+      <p:sp>
+        <p:nvSpPr>
+          <p:cNvPr id="5" name="Google Shape;137;p21">
+            <a:extLst>
+              <a:ext uri="{FF2B5EF4-FFF2-40B4-BE49-F238E27FC236}">
+                <a16:creationId xmlns:a16="http://schemas.microsoft.com/office/drawing/2014/main" id="{F456FE8D-5D71-44B9-861C-F7FA58979429}"/>
+              </a:ext>
+            </a:extLst>
+          </p:cNvPr>
+          <p:cNvSpPr txBox="1"/>
+          <p:nvPr/>
+        </p:nvSpPr>
+        <p:spPr>
+          <a:xfrm>
+            <a:off x="537000" y="762600"/>
+            <a:ext cx="3910800" cy="4003500"/>
+          </a:xfrm>
+          <a:prstGeom prst="rect">
+            <a:avLst/>
+          </a:prstGeom>
+          <a:noFill/>
+          <a:ln>
+            <a:noFill/>
+          </a:ln>
+        </p:spPr>
+        <p:txBody>
+          <a:bodyPr spcFirstLastPara="1" wrap="square" lIns="91425" tIns="91425" rIns="91425" bIns="91425" anchor="t" anchorCtr="0">
+            <a:noAutofit/>
+          </a:bodyPr>
+          <a:lstStyle/>
+          <a:p>
+            <a:pPr>
+              <a:lnSpc>
+                <a:spcPct val="115000"/>
+              </a:lnSpc>
+            </a:pPr>
+            <a:r>
+              <a:rPr lang="pt-BR" sz="1400" b="1" dirty="0">
+                <a:solidFill>
+                  <a:schemeClr val="bg2"/>
+                </a:solidFill>
+                <a:latin typeface="Raleway"/>
+                <a:ea typeface="Raleway"/>
+                <a:cs typeface="Raleway"/>
+                <a:sym typeface="Raleway"/>
+              </a:rPr>
+              <a:t>Arquivo adicionado ao projeto para ignorar arquivos</a:t>
+            </a:r>
+          </a:p>
+          <a:p>
+            <a:pPr marL="0" lvl="0" indent="0" algn="l" rtl="0">
+              <a:lnSpc>
+                <a:spcPct val="115000"/>
+              </a:lnSpc>
+              <a:spcBef>
+                <a:spcPts val="0"/>
+              </a:spcBef>
+              <a:spcAft>
+                <a:spcPts val="0"/>
+              </a:spcAft>
+              <a:buNone/>
+            </a:pPr>
+            <a:r>
+              <a:rPr lang="pt-BR" sz="1200" b="1" dirty="0">
+                <a:latin typeface="Raleway"/>
+                <a:ea typeface="Raleway"/>
+                <a:cs typeface="Raleway"/>
+                <a:sym typeface="Raleway"/>
+              </a:rPr>
+              <a:t>	</a:t>
+            </a:r>
+            <a:endParaRPr sz="1200" b="1" dirty="0">
+              <a:solidFill>
+                <a:srgbClr val="000000"/>
+              </a:solidFill>
+              <a:latin typeface="Raleway"/>
+              <a:ea typeface="Raleway"/>
+              <a:cs typeface="Raleway"/>
+              <a:sym typeface="Raleway"/>
+            </a:endParaRPr>
+          </a:p>
+          <a:p>
+            <a:pPr marL="457200" lvl="0" indent="-317500" algn="l" rtl="0">
+              <a:lnSpc>
+                <a:spcPct val="115000"/>
+              </a:lnSpc>
+              <a:spcBef>
+                <a:spcPts val="1300"/>
+              </a:spcBef>
+              <a:spcAft>
+                <a:spcPts val="0"/>
+              </a:spcAft>
+              <a:buClr>
+                <a:srgbClr val="F46524"/>
+              </a:buClr>
+              <a:buSzPts val="1400"/>
+              <a:buFont typeface="Raleway"/>
+              <a:buChar char="●"/>
+            </a:pPr>
+            <a:r>
+              <a:rPr lang="pt-BR" b="1" dirty="0">
+                <a:solidFill>
+                  <a:srgbClr val="F46524"/>
+                </a:solidFill>
+                <a:latin typeface="Raleway"/>
+                <a:ea typeface="Raleway"/>
+                <a:cs typeface="Raleway"/>
+                <a:sym typeface="Raleway"/>
+              </a:rPr>
+              <a:t>&lt;</a:t>
+            </a:r>
+            <a:r>
+              <a:rPr lang="pt-BR" b="1" dirty="0" err="1">
+                <a:solidFill>
+                  <a:srgbClr val="F46524"/>
+                </a:solidFill>
+                <a:latin typeface="Raleway"/>
+                <a:ea typeface="Raleway"/>
+                <a:cs typeface="Raleway"/>
+                <a:sym typeface="Raleway"/>
+              </a:rPr>
+              <a:t>diretorio</a:t>
+            </a:r>
+            <a:r>
+              <a:rPr lang="pt-BR" b="1" dirty="0">
+                <a:solidFill>
+                  <a:srgbClr val="F46524"/>
+                </a:solidFill>
+                <a:latin typeface="Raleway"/>
+                <a:ea typeface="Raleway"/>
+                <a:cs typeface="Raleway"/>
+                <a:sym typeface="Raleway"/>
+              </a:rPr>
+              <a:t>&gt;/</a:t>
+            </a:r>
+            <a:br>
+              <a:rPr lang="pt-BR" sz="1200" dirty="0">
+                <a:solidFill>
+                  <a:srgbClr val="000000"/>
+                </a:solidFill>
+                <a:latin typeface="Raleway"/>
+                <a:ea typeface="Raleway"/>
+                <a:cs typeface="Raleway"/>
+                <a:sym typeface="Raleway"/>
+              </a:rPr>
+            </a:br>
+            <a:r>
+              <a:rPr lang="pt-BR" sz="1200" dirty="0">
+                <a:latin typeface="Raleway"/>
+                <a:ea typeface="Raleway"/>
+                <a:cs typeface="Raleway"/>
+                <a:sym typeface="Raleway"/>
+              </a:rPr>
+              <a:t>Ignora o diretório e seus arquivos</a:t>
+            </a:r>
+            <a:endParaRPr sz="1200" dirty="0">
+              <a:solidFill>
+                <a:srgbClr val="000000"/>
+              </a:solidFill>
+              <a:latin typeface="Raleway"/>
+              <a:ea typeface="Raleway"/>
+              <a:cs typeface="Raleway"/>
+              <a:sym typeface="Raleway"/>
+            </a:endParaRPr>
+          </a:p>
+          <a:p>
+            <a:pPr marL="457200" lvl="0" indent="-317500" algn="l" rtl="0">
+              <a:lnSpc>
+                <a:spcPct val="115000"/>
+              </a:lnSpc>
+              <a:spcBef>
+                <a:spcPts val="700"/>
+              </a:spcBef>
+              <a:spcAft>
+                <a:spcPts val="0"/>
+              </a:spcAft>
+              <a:buClr>
+                <a:srgbClr val="F46524"/>
+              </a:buClr>
+              <a:buSzPts val="1400"/>
+              <a:buFont typeface="Raleway"/>
+              <a:buChar char="●"/>
+            </a:pPr>
+            <a:r>
+              <a:rPr lang="pt-BR" b="1" dirty="0">
+                <a:solidFill>
+                  <a:srgbClr val="F46524"/>
+                </a:solidFill>
+                <a:latin typeface="Raleway"/>
+                <a:ea typeface="Raleway"/>
+                <a:cs typeface="Raleway"/>
+                <a:sym typeface="Raleway"/>
+              </a:rPr>
+              <a:t>&lt;</a:t>
+            </a:r>
+            <a:r>
+              <a:rPr lang="pt-BR" b="1" dirty="0" err="1">
+                <a:solidFill>
+                  <a:srgbClr val="F46524"/>
+                </a:solidFill>
+                <a:latin typeface="Raleway"/>
+                <a:ea typeface="Raleway"/>
+                <a:cs typeface="Raleway"/>
+                <a:sym typeface="Raleway"/>
+              </a:rPr>
+              <a:t>diretorio</a:t>
+            </a:r>
+            <a:r>
+              <a:rPr lang="pt-BR" b="1" dirty="0">
+                <a:solidFill>
+                  <a:srgbClr val="F46524"/>
+                </a:solidFill>
+                <a:latin typeface="Raleway"/>
+                <a:ea typeface="Raleway"/>
+                <a:cs typeface="Raleway"/>
+                <a:sym typeface="Raleway"/>
+              </a:rPr>
+              <a:t>&gt;/&lt;arquivo&gt;</a:t>
+            </a:r>
+            <a:endParaRPr b="1" dirty="0">
+              <a:solidFill>
+                <a:srgbClr val="F46524"/>
+              </a:solidFill>
+              <a:latin typeface="Raleway"/>
+              <a:ea typeface="Raleway"/>
+              <a:cs typeface="Raleway"/>
+              <a:sym typeface="Raleway"/>
+            </a:endParaRPr>
+          </a:p>
           <a:p>
             <a:pPr marL="457200" lvl="0" indent="0" algn="l" rtl="0">
+              <a:lnSpc>
+                <a:spcPct val="115000"/>
+              </a:lnSpc>
               <a:spcBef>
                 <a:spcPts val="700"/>
               </a:spcBef>
               <a:spcAft>
+                <a:spcPts val="0"/>
+              </a:spcAft>
+              <a:buNone/>
+            </a:pPr>
+            <a:r>
+              <a:rPr lang="pt-BR" sz="1200" dirty="0">
+                <a:solidFill>
+                  <a:schemeClr val="dk2"/>
+                </a:solidFill>
+                <a:latin typeface="Raleway"/>
+                <a:ea typeface="Raleway"/>
+                <a:cs typeface="Raleway"/>
+                <a:sym typeface="Raleway"/>
+              </a:rPr>
+              <a:t>Ignora o arquivo, dentro deste diretório</a:t>
+            </a:r>
+            <a:endParaRPr b="1" dirty="0">
+              <a:solidFill>
+                <a:srgbClr val="F46524"/>
+              </a:solidFill>
+              <a:latin typeface="Raleway"/>
+              <a:ea typeface="Raleway"/>
+              <a:cs typeface="Raleway"/>
+              <a:sym typeface="Raleway"/>
+            </a:endParaRPr>
+          </a:p>
+          <a:p>
+            <a:pPr marL="457200" lvl="0" indent="-317500" algn="l" rtl="0">
+              <a:lnSpc>
+                <a:spcPct val="115000"/>
+              </a:lnSpc>
+              <a:spcBef>
                 <a:spcPts val="700"/>
-              </a:spcAft>
-              <a:buNone/>
+              </a:spcBef>
+              <a:spcAft>
+                <a:spcPts val="0"/>
+              </a:spcAft>
+              <a:buClr>
+                <a:srgbClr val="F46524"/>
+              </a:buClr>
+              <a:buSzPts val="1400"/>
+              <a:buFont typeface="Raleway"/>
+              <a:buChar char="●"/>
             </a:pPr>
-            <a:endParaRPr sz="1200">
-              <a:solidFill>
-                <a:schemeClr val="dk2"/>
-              </a:solidFill>
+            <a:r>
+              <a:rPr lang="pt-BR" b="1" dirty="0">
+                <a:solidFill>
+                  <a:schemeClr val="dk1"/>
+                </a:solidFill>
+                <a:latin typeface="Raleway"/>
+                <a:ea typeface="Raleway"/>
+                <a:cs typeface="Raleway"/>
+                <a:sym typeface="Raleway"/>
+              </a:rPr>
+              <a:t>*.&lt;extensão&gt;</a:t>
+            </a:r>
+            <a:br>
+              <a:rPr lang="pt-BR" dirty="0">
+                <a:solidFill>
+                  <a:srgbClr val="000000"/>
+                </a:solidFill>
+                <a:latin typeface="Raleway"/>
+                <a:ea typeface="Raleway"/>
+                <a:cs typeface="Raleway"/>
+                <a:sym typeface="Raleway"/>
+              </a:rPr>
+            </a:br>
+            <a:r>
+              <a:rPr lang="pt-BR" sz="1200" dirty="0">
+                <a:latin typeface="Raleway"/>
+                <a:ea typeface="Raleway"/>
+                <a:cs typeface="Raleway"/>
+                <a:sym typeface="Raleway"/>
+              </a:rPr>
+              <a:t>Ignora todos os arquivos com essa extensão</a:t>
+            </a:r>
+            <a:endParaRPr sz="1200" dirty="0">
+              <a:latin typeface="Raleway"/>
+              <a:ea typeface="Raleway"/>
+              <a:cs typeface="Raleway"/>
+              <a:sym typeface="Raleway"/>
+            </a:endParaRPr>
+          </a:p>
+          <a:p>
+            <a:pPr marL="457200" lvl="0" indent="0" algn="l" rtl="0">
+              <a:lnSpc>
+                <a:spcPct val="115000"/>
+              </a:lnSpc>
+              <a:spcBef>
+                <a:spcPts val="700"/>
+              </a:spcBef>
+              <a:spcAft>
+                <a:spcPts val="700"/>
+              </a:spcAft>
+              <a:buNone/>
+            </a:pPr>
+            <a:endParaRPr sz="1200" dirty="0">
               <a:latin typeface="Raleway"/>
               <a:ea typeface="Raleway"/>
               <a:cs typeface="Raleway"/>
@@ -8966,7 +9382,7 @@
         <p:spPr>
           <a:xfrm>
             <a:off x="536999" y="762600"/>
-            <a:ext cx="3995251" cy="4003500"/>
+            <a:ext cx="4074751" cy="4003500"/>
           </a:xfrm>
           <a:prstGeom prst="rect">
             <a:avLst/>
@@ -9383,7 +9799,7 @@
               <a:buChar char="●"/>
             </a:pPr>
             <a:r>
-              <a:rPr lang="pt-BR" sz="1200" b="1" dirty="0" err="1">
+              <a:rPr lang="pt-BR" b="1" dirty="0" err="1">
                 <a:solidFill>
                   <a:schemeClr val="dk1"/>
                 </a:solidFill>
@@ -9395,7 +9811,7 @@
               <a:t>git</a:t>
             </a:r>
             <a:r>
-              <a:rPr lang="pt-BR" sz="1200" b="1" dirty="0">
+              <a:rPr lang="pt-BR" b="1" dirty="0">
                 <a:solidFill>
                   <a:schemeClr val="dk1"/>
                 </a:solidFill>
@@ -9407,7 +9823,7 @@
               <a:t> reset --hard HEAD~&lt;</a:t>
             </a:r>
             <a:r>
-              <a:rPr lang="pt-BR" sz="1200" b="1" dirty="0" err="1">
+              <a:rPr lang="pt-BR" b="1" dirty="0" err="1">
                 <a:solidFill>
                   <a:schemeClr val="dk1"/>
                 </a:solidFill>
@@ -9419,7 +9835,7 @@
               <a:t>quantidadeCommits</a:t>
             </a:r>
             <a:r>
-              <a:rPr lang="pt-BR" sz="1200" b="1" dirty="0">
+              <a:rPr lang="pt-BR" b="1" dirty="0">
                 <a:solidFill>
                   <a:schemeClr val="dk1"/>
                 </a:solidFill>
@@ -10137,7 +10553,16 @@
                 <a:cs typeface="Raleway"/>
                 <a:sym typeface="Raleway"/>
               </a:rPr>
-              <a:t>Comandos básicos</a:t>
+              <a:t>Exibe histórico de </a:t>
+            </a:r>
+            <a:r>
+              <a:rPr lang="pt-BR" b="1" dirty="0" err="1">
+                <a:latin typeface="Raleway"/>
+                <a:ea typeface="Raleway"/>
+                <a:cs typeface="Raleway"/>
+                <a:sym typeface="Raleway"/>
+              </a:rPr>
+              <a:t>commits</a:t>
             </a:r>
             <a:r>
               <a:rPr lang="pt-BR" sz="1200" b="1" dirty="0">
@@ -10509,7 +10934,7 @@
               <a:buNone/>
             </a:pPr>
             <a:r>
-              <a:rPr lang="pt-BR" b="1">
+              <a:rPr lang="pt-BR" b="1" dirty="0">
                 <a:latin typeface="Raleway"/>
                 <a:ea typeface="Raleway"/>
                 <a:cs typeface="Raleway"/>
@@ -10518,7 +10943,7 @@
               <a:t>Comandos básicos</a:t>
             </a:r>
             <a:r>
-              <a:rPr lang="pt-BR" sz="1200" b="1">
+              <a:rPr lang="pt-BR" sz="1200" b="1" dirty="0">
                 <a:latin typeface="Raleway"/>
                 <a:ea typeface="Raleway"/>
                 <a:cs typeface="Raleway"/>
@@ -10526,7 +10951,7 @@
               </a:rPr>
               <a:t>	</a:t>
             </a:r>
-            <a:endParaRPr sz="1200" b="1">
+            <a:endParaRPr sz="1200" b="1" dirty="0">
               <a:solidFill>
                 <a:srgbClr val="000000"/>
               </a:solidFill>
@@ -10555,7 +10980,7 @@
               <a:buChar char="●"/>
             </a:pPr>
             <a:r>
-              <a:rPr lang="pt-BR" b="1">
+              <a:rPr lang="pt-BR" b="1" dirty="0" err="1">
                 <a:solidFill>
                   <a:srgbClr val="F46524"/>
                 </a:solidFill>
@@ -10564,10 +10989,34 @@
                 <a:cs typeface="Raleway"/>
                 <a:sym typeface="Raleway"/>
               </a:rPr>
-              <a:t>git branch</a:t>
+              <a:t>git</a:t>
+            </a:r>
+            <a:r>
+              <a:rPr lang="pt-BR" b="1" dirty="0">
+                <a:solidFill>
+                  <a:srgbClr val="F46524"/>
+                </a:solidFill>
+                <a:latin typeface="Raleway"/>
+                <a:ea typeface="Raleway"/>
+                <a:cs typeface="Raleway"/>
+                <a:sym typeface="Raleway"/>
+              </a:rPr>
+              <a:t> </a:t>
+            </a:r>
+            <a:r>
+              <a:rPr lang="pt-BR" b="1" dirty="0" err="1">
+                <a:solidFill>
+                  <a:srgbClr val="F46524"/>
+                </a:solidFill>
+                <a:latin typeface="Raleway"/>
+                <a:ea typeface="Raleway"/>
+                <a:cs typeface="Raleway"/>
+                <a:sym typeface="Raleway"/>
+              </a:rPr>
+              <a:t>branch</a:t>
             </a:r>
             <a:br>
-              <a:rPr lang="pt-BR" sz="1200">
+              <a:rPr lang="pt-BR" sz="1200" dirty="0">
                 <a:solidFill>
                   <a:srgbClr val="000000"/>
                 </a:solidFill>
@@ -10578,15 +11027,33 @@
               </a:rPr>
             </a:br>
             <a:r>
-              <a:rPr lang="pt-BR" sz="1200">
-                <a:latin typeface="Raleway"/>
-                <a:ea typeface="Raleway"/>
-                <a:cs typeface="Raleway"/>
-                <a:sym typeface="Raleway"/>
-              </a:rPr>
-              <a:t>Lista os branches disponíveis</a:t>
-            </a:r>
-            <a:endParaRPr sz="1200">
+              <a:rPr lang="pt-BR" sz="1200" dirty="0">
+                <a:latin typeface="Raleway"/>
+                <a:ea typeface="Raleway"/>
+                <a:cs typeface="Raleway"/>
+                <a:sym typeface="Raleway"/>
+              </a:rPr>
+              <a:t>Lista os </a:t>
+            </a:r>
+            <a:r>
+              <a:rPr lang="pt-BR" sz="1200" dirty="0" err="1">
+                <a:latin typeface="Raleway"/>
+                <a:ea typeface="Raleway"/>
+                <a:cs typeface="Raleway"/>
+                <a:sym typeface="Raleway"/>
+              </a:rPr>
+              <a:t>branches</a:t>
+            </a:r>
+            <a:r>
+              <a:rPr lang="pt-BR" sz="1200" dirty="0">
+                <a:latin typeface="Raleway"/>
+                <a:ea typeface="Raleway"/>
+                <a:cs typeface="Raleway"/>
+                <a:sym typeface="Raleway"/>
+              </a:rPr>
+              <a:t> disponíveis</a:t>
+            </a:r>
+            <a:endParaRPr sz="1200" dirty="0">
               <a:solidFill>
                 <a:srgbClr val="000000"/>
               </a:solidFill>
@@ -10615,7 +11082,7 @@
               <a:buChar char="●"/>
             </a:pPr>
             <a:r>
-              <a:rPr lang="pt-BR" b="1">
+              <a:rPr lang="pt-BR" b="1" dirty="0" err="1">
                 <a:solidFill>
                   <a:srgbClr val="F46524"/>
                 </a:solidFill>
@@ -10624,10 +11091,22 @@
                 <a:cs typeface="Raleway"/>
                 <a:sym typeface="Raleway"/>
               </a:rPr>
-              <a:t>git </a:t>
-            </a:r>
-            <a:r>
-              <a:rPr lang="pt-BR" b="1">
+              <a:t>git</a:t>
+            </a:r>
+            <a:r>
+              <a:rPr lang="pt-BR" b="1" dirty="0">
+                <a:solidFill>
+                  <a:srgbClr val="F46524"/>
+                </a:solidFill>
+                <a:latin typeface="Raleway"/>
+                <a:ea typeface="Raleway"/>
+                <a:cs typeface="Raleway"/>
+                <a:sym typeface="Raleway"/>
+              </a:rPr>
+              <a:t> </a:t>
+            </a:r>
+            <a:r>
+              <a:rPr lang="pt-BR" b="1" dirty="0" err="1">
                 <a:solidFill>
                   <a:schemeClr val="dk1"/>
                 </a:solidFill>
@@ -10636,10 +11115,22 @@
                 <a:cs typeface="Raleway"/>
                 <a:sym typeface="Raleway"/>
               </a:rPr>
-              <a:t>branch </a:t>
-            </a:r>
-            <a:r>
-              <a:rPr lang="pt-BR" b="1">
+              <a:t>branch</a:t>
+            </a:r>
+            <a:r>
+              <a:rPr lang="pt-BR" b="1" dirty="0">
+                <a:solidFill>
+                  <a:schemeClr val="dk1"/>
+                </a:solidFill>
+                <a:latin typeface="Raleway"/>
+                <a:ea typeface="Raleway"/>
+                <a:cs typeface="Raleway"/>
+                <a:sym typeface="Raleway"/>
+              </a:rPr>
+              <a:t> </a:t>
+            </a:r>
+            <a:r>
+              <a:rPr lang="pt-BR" b="1" dirty="0">
                 <a:solidFill>
                   <a:srgbClr val="F46524"/>
                 </a:solidFill>
@@ -10650,7 +11141,7 @@
               </a:rPr>
               <a:t>&lt;nome&gt;</a:t>
             </a:r>
-            <a:endParaRPr b="1">
+            <a:endParaRPr b="1" dirty="0">
               <a:solidFill>
                 <a:srgbClr val="F46524"/>
               </a:solidFill>
@@ -10674,7 +11165,7 @@
               <a:buNone/>
             </a:pPr>
             <a:r>
-              <a:rPr lang="pt-BR" sz="1200">
+              <a:rPr lang="pt-BR" sz="1200" dirty="0">
                 <a:solidFill>
                   <a:schemeClr val="dk2"/>
                 </a:solidFill>
@@ -10683,9 +11174,21 @@
                 <a:cs typeface="Raleway"/>
                 <a:sym typeface="Raleway"/>
               </a:rPr>
-              <a:t>Cria um novo branch</a:t>
-            </a:r>
-            <a:endParaRPr b="1">
+              <a:t>Cria um novo </a:t>
+            </a:r>
+            <a:r>
+              <a:rPr lang="pt-BR" sz="1200" dirty="0" err="1">
+                <a:solidFill>
+                  <a:schemeClr val="dk2"/>
+                </a:solidFill>
+                <a:latin typeface="Raleway"/>
+                <a:ea typeface="Raleway"/>
+                <a:cs typeface="Raleway"/>
+                <a:sym typeface="Raleway"/>
+              </a:rPr>
+              <a:t>branch</a:t>
+            </a:r>
+            <a:endParaRPr b="1" dirty="0">
               <a:solidFill>
                 <a:srgbClr val="F46524"/>
               </a:solidFill>
@@ -10714,7 +11217,7 @@
               <a:buChar char="●"/>
             </a:pPr>
             <a:r>
-              <a:rPr lang="pt-BR" b="1">
+              <a:rPr lang="pt-BR" b="1" dirty="0" err="1">
                 <a:solidFill>
                   <a:schemeClr val="dk1"/>
                 </a:solidFill>
@@ -10723,10 +11226,46 @@
                 <a:cs typeface="Raleway"/>
                 <a:sym typeface="Raleway"/>
               </a:rPr>
-              <a:t>git checkout &lt;nomeBranch&gt;</a:t>
+              <a:t>git</a:t>
+            </a:r>
+            <a:r>
+              <a:rPr lang="pt-BR" b="1" dirty="0">
+                <a:solidFill>
+                  <a:schemeClr val="dk1"/>
+                </a:solidFill>
+                <a:latin typeface="Raleway"/>
+                <a:ea typeface="Raleway"/>
+                <a:cs typeface="Raleway"/>
+                <a:sym typeface="Raleway"/>
+              </a:rPr>
+              <a:t> checkout &lt;</a:t>
+            </a:r>
+            <a:r>
+              <a:rPr lang="pt-BR" b="1" dirty="0" err="1">
+                <a:solidFill>
+                  <a:schemeClr val="dk1"/>
+                </a:solidFill>
+                <a:latin typeface="Raleway"/>
+                <a:ea typeface="Raleway"/>
+                <a:cs typeface="Raleway"/>
+                <a:sym typeface="Raleway"/>
+              </a:rPr>
+              <a:t>nomeBranch</a:t>
+            </a:r>
+            <a:r>
+              <a:rPr lang="pt-BR" b="1" dirty="0">
+                <a:solidFill>
+                  <a:schemeClr val="dk1"/>
+                </a:solidFill>
+                <a:latin typeface="Raleway"/>
+                <a:ea typeface="Raleway"/>
+                <a:cs typeface="Raleway"/>
+                <a:sym typeface="Raleway"/>
+              </a:rPr>
+              <a:t>&gt;</a:t>
             </a:r>
             <a:br>
-              <a:rPr lang="pt-BR">
+              <a:rPr lang="pt-BR" dirty="0">
                 <a:solidFill>
                   <a:srgbClr val="000000"/>
                 </a:solidFill>
@@ -10737,15 +11276,33 @@
               </a:rPr>
             </a:br>
             <a:r>
-              <a:rPr lang="pt-BR" sz="1200">
-                <a:latin typeface="Raleway"/>
-                <a:ea typeface="Raleway"/>
-                <a:cs typeface="Raleway"/>
-                <a:sym typeface="Raleway"/>
-              </a:rPr>
-              <a:t>Altera o fluxo de trabalho para a branch </a:t>
-            </a:r>
-            <a:endParaRPr sz="1200">
+              <a:rPr lang="pt-BR" sz="1200" dirty="0">
+                <a:latin typeface="Raleway"/>
+                <a:ea typeface="Raleway"/>
+                <a:cs typeface="Raleway"/>
+                <a:sym typeface="Raleway"/>
+              </a:rPr>
+              <a:t>Altera o fluxo de trabalho para a </a:t>
+            </a:r>
+            <a:r>
+              <a:rPr lang="pt-BR" sz="1200" dirty="0" err="1">
+                <a:latin typeface="Raleway"/>
+                <a:ea typeface="Raleway"/>
+                <a:cs typeface="Raleway"/>
+                <a:sym typeface="Raleway"/>
+              </a:rPr>
+              <a:t>branch</a:t>
+            </a:r>
+            <a:r>
+              <a:rPr lang="pt-BR" sz="1200" dirty="0">
+                <a:latin typeface="Raleway"/>
+                <a:ea typeface="Raleway"/>
+                <a:cs typeface="Raleway"/>
+                <a:sym typeface="Raleway"/>
+              </a:rPr>
+              <a:t> </a:t>
+            </a:r>
+            <a:endParaRPr sz="1200" dirty="0">
               <a:latin typeface="Raleway"/>
               <a:ea typeface="Raleway"/>
               <a:cs typeface="Raleway"/>
@@ -10771,7 +11328,7 @@
               <a:buChar char="●"/>
             </a:pPr>
             <a:r>
-              <a:rPr lang="pt-BR" b="1">
+              <a:rPr lang="pt-BR" b="1" dirty="0" err="1">
                 <a:solidFill>
                   <a:schemeClr val="dk1"/>
                 </a:solidFill>
@@ -10780,9 +11337,69 @@
                 <a:cs typeface="Raleway"/>
                 <a:sym typeface="Raleway"/>
               </a:rPr>
-              <a:t>git cherry-pick &lt;hashCommit&gt;</a:t>
-            </a:r>
-            <a:endParaRPr b="1">
+              <a:t>git</a:t>
+            </a:r>
+            <a:r>
+              <a:rPr lang="pt-BR" b="1" dirty="0">
+                <a:solidFill>
+                  <a:schemeClr val="dk1"/>
+                </a:solidFill>
+                <a:latin typeface="Raleway"/>
+                <a:ea typeface="Raleway"/>
+                <a:cs typeface="Raleway"/>
+                <a:sym typeface="Raleway"/>
+              </a:rPr>
+              <a:t> cherry-</a:t>
+            </a:r>
+            <a:r>
+              <a:rPr lang="pt-BR" b="1" dirty="0" err="1">
+                <a:solidFill>
+                  <a:schemeClr val="dk1"/>
+                </a:solidFill>
+                <a:latin typeface="Raleway"/>
+                <a:ea typeface="Raleway"/>
+                <a:cs typeface="Raleway"/>
+                <a:sym typeface="Raleway"/>
+              </a:rPr>
+              <a:t>pick</a:t>
+            </a:r>
+            <a:r>
+              <a:rPr lang="pt-BR" b="1" dirty="0">
+                <a:solidFill>
+                  <a:schemeClr val="dk1"/>
+                </a:solidFill>
+                <a:latin typeface="Raleway"/>
+                <a:ea typeface="Raleway"/>
+                <a:cs typeface="Raleway"/>
+                <a:sym typeface="Raleway"/>
+              </a:rPr>
+              <a:t> &lt;</a:t>
+            </a:r>
+            <a:r>
+              <a:rPr lang="pt-BR" b="1" dirty="0" err="1">
+                <a:solidFill>
+                  <a:schemeClr val="dk1"/>
+                </a:solidFill>
+                <a:latin typeface="Raleway"/>
+                <a:ea typeface="Raleway"/>
+                <a:cs typeface="Raleway"/>
+                <a:sym typeface="Raleway"/>
+              </a:rPr>
+              <a:t>hashCommit</a:t>
+            </a:r>
+            <a:r>
+              <a:rPr lang="pt-BR" b="1" dirty="0">
+                <a:solidFill>
+                  <a:schemeClr val="dk1"/>
+                </a:solidFill>
+                <a:latin typeface="Raleway"/>
+                <a:ea typeface="Raleway"/>
+                <a:cs typeface="Raleway"/>
+                <a:sym typeface="Raleway"/>
+              </a:rPr>
+              <a:t>&gt;</a:t>
+            </a:r>
+            <a:endParaRPr b="1" dirty="0">
               <a:solidFill>
                 <a:schemeClr val="dk1"/>
               </a:solidFill>
@@ -10806,7 +11423,7 @@
               <a:buNone/>
             </a:pPr>
             <a:r>
-              <a:rPr lang="pt-BR" sz="1200">
+              <a:rPr lang="pt-BR" sz="1200" dirty="0">
                 <a:solidFill>
                   <a:schemeClr val="dk2"/>
                 </a:solidFill>
@@ -10815,9 +11432,57 @@
                 <a:cs typeface="Raleway"/>
                 <a:sym typeface="Raleway"/>
               </a:rPr>
-              <a:t>Pega um commit de outra branch e copia para a atual</a:t>
-            </a:r>
-            <a:endParaRPr b="1">
+              <a:t>Pega um </a:t>
+            </a:r>
+            <a:r>
+              <a:rPr lang="pt-BR" sz="1200" dirty="0" err="1">
+                <a:solidFill>
+                  <a:schemeClr val="dk2"/>
+                </a:solidFill>
+                <a:latin typeface="Raleway"/>
+                <a:ea typeface="Raleway"/>
+                <a:cs typeface="Raleway"/>
+                <a:sym typeface="Raleway"/>
+              </a:rPr>
+              <a:t>commit</a:t>
+            </a:r>
+            <a:r>
+              <a:rPr lang="pt-BR" sz="1200" dirty="0">
+                <a:solidFill>
+                  <a:schemeClr val="dk2"/>
+                </a:solidFill>
+                <a:latin typeface="Raleway"/>
+                <a:ea typeface="Raleway"/>
+                <a:cs typeface="Raleway"/>
+                <a:sym typeface="Raleway"/>
+              </a:rPr>
+              <a:t> de outra </a:t>
+            </a:r>
+            <a:r>
+              <a:rPr lang="pt-BR" sz="1200" dirty="0" err="1">
+                <a:solidFill>
+                  <a:schemeClr val="dk2"/>
+                </a:solidFill>
+                <a:latin typeface="Raleway"/>
+                <a:ea typeface="Raleway"/>
+                <a:cs typeface="Raleway"/>
+                <a:sym typeface="Raleway"/>
+              </a:rPr>
+              <a:t>branch</a:t>
+            </a:r>
+            <a:r>
+              <a:rPr lang="pt-BR" sz="1200" dirty="0">
+                <a:solidFill>
+                  <a:schemeClr val="dk2"/>
+                </a:solidFill>
+                <a:latin typeface="Raleway"/>
+                <a:ea typeface="Raleway"/>
+                <a:cs typeface="Raleway"/>
+                <a:sym typeface="Raleway"/>
+              </a:rPr>
+              <a:t> e copia para a atual</a:t>
+            </a:r>
+            <a:endParaRPr b="1" dirty="0">
               <a:solidFill>
                 <a:schemeClr val="dk1"/>
               </a:solidFill>
@@ -10840,7 +11505,7 @@
               </a:spcAft>
               <a:buNone/>
             </a:pPr>
-            <a:endParaRPr sz="1200">
+            <a:endParaRPr sz="1200" dirty="0">
               <a:latin typeface="Raleway"/>
               <a:ea typeface="Raleway"/>
               <a:cs typeface="Raleway"/>
@@ -11203,22 +11868,28 @@
       </p:pic>
       <p:sp>
         <p:nvSpPr>
-          <p:cNvPr id="175" name="Google Shape;175;p26"/>
-          <p:cNvSpPr txBox="1">
-            <a:spLocks noGrp="1"/>
-          </p:cNvSpPr>
-          <p:nvPr>
-            <p:ph type="body" idx="4294967295"/>
-          </p:nvPr>
+          <p:cNvPr id="5" name="Google Shape;182;p27">
+            <a:extLst>
+              <a:ext uri="{FF2B5EF4-FFF2-40B4-BE49-F238E27FC236}">
+                <a16:creationId xmlns:a16="http://schemas.microsoft.com/office/drawing/2014/main" id="{81A164B5-17F8-4E14-9612-9B502CBE1A22}"/>
+              </a:ext>
+            </a:extLst>
+          </p:cNvPr>
+          <p:cNvSpPr txBox="1"/>
+          <p:nvPr/>
         </p:nvSpPr>
         <p:spPr>
           <a:xfrm>
-            <a:off x="435350" y="1999350"/>
-            <a:ext cx="6025500" cy="903000"/>
+            <a:off x="537000" y="762600"/>
+            <a:ext cx="3910800" cy="4003500"/>
           </a:xfrm>
           <a:prstGeom prst="rect">
             <a:avLst/>
           </a:prstGeom>
+          <a:noFill/>
+          <a:ln>
+            <a:noFill/>
+          </a:ln>
         </p:spPr>
         <p:txBody>
           <a:bodyPr spcFirstLastPara="1" wrap="square" lIns="91425" tIns="91425" rIns="91425" bIns="91425" anchor="t" anchorCtr="0">
@@ -11226,59 +11897,39 @@
           </a:bodyPr>
           <a:lstStyle/>
           <a:p>
-            <a:pPr marL="457200" lvl="0" indent="-317500" algn="l" rtl="0">
-              <a:spcBef>
-                <a:spcPts val="0"/>
-              </a:spcBef>
-              <a:spcAft>
-                <a:spcPts val="0"/>
-              </a:spcAft>
-              <a:buClr>
-                <a:schemeClr val="dk1"/>
-              </a:buClr>
-              <a:buSzPts val="1400"/>
-              <a:buFont typeface="Raleway"/>
-              <a:buChar char="●"/>
+            <a:pPr marL="0" lvl="0" indent="0" algn="l" rtl="0">
+              <a:lnSpc>
+                <a:spcPct val="115000"/>
+              </a:lnSpc>
+              <a:spcBef>
+                <a:spcPts val="0"/>
+              </a:spcBef>
+              <a:spcAft>
+                <a:spcPts val="0"/>
+              </a:spcAft>
+              <a:buNone/>
             </a:pPr>
             <a:r>
-              <a:rPr lang="pt-BR" sz="1400" b="1" dirty="0">
-                <a:solidFill>
-                  <a:schemeClr val="dk1"/>
-                </a:solidFill>
-                <a:latin typeface="Raleway"/>
-                <a:ea typeface="Raleway"/>
-                <a:cs typeface="Raleway"/>
-                <a:sym typeface="Raleway"/>
-              </a:rPr>
-              <a:t>Conflitos ocorrem quando a mesma linha de código é alterada em </a:t>
-            </a:r>
-            <a:r>
-              <a:rPr lang="pt-BR" sz="1400" b="1" dirty="0" err="1">
-                <a:solidFill>
-                  <a:schemeClr val="dk1"/>
-                </a:solidFill>
-                <a:latin typeface="Raleway"/>
-                <a:ea typeface="Raleway"/>
-                <a:cs typeface="Raleway"/>
-                <a:sym typeface="Raleway"/>
-              </a:rPr>
-              <a:t>branches</a:t>
-            </a:r>
-            <a:r>
-              <a:rPr lang="pt-BR" sz="1400" b="1">
-                <a:solidFill>
-                  <a:schemeClr val="dk1"/>
-                </a:solidFill>
-                <a:latin typeface="Raleway"/>
-                <a:ea typeface="Raleway"/>
-                <a:cs typeface="Raleway"/>
-                <a:sym typeface="Raleway"/>
-              </a:rPr>
-              <a:t> diferentes e é tentada uma unificação</a:t>
-            </a:r>
-            <a:endParaRPr sz="1400" b="1">
+              <a:rPr lang="pt-BR" b="1" dirty="0">
+                <a:latin typeface="Raleway"/>
+                <a:ea typeface="Raleway"/>
+                <a:cs typeface="Raleway"/>
+                <a:sym typeface="Raleway"/>
+              </a:rPr>
+              <a:t>Erros ao efetuar unificações</a:t>
+            </a:r>
+            <a:r>
+              <a:rPr lang="pt-BR" sz="1200" b="1" dirty="0">
+                <a:latin typeface="Raleway"/>
+                <a:ea typeface="Raleway"/>
+                <a:cs typeface="Raleway"/>
+                <a:sym typeface="Raleway"/>
+              </a:rPr>
+              <a:t>	</a:t>
+            </a:r>
+            <a:endParaRPr sz="1200" b="1" dirty="0">
               <a:solidFill>
-                <a:schemeClr val="dk1"/>
+                <a:srgbClr val="000000"/>
               </a:solidFill>
               <a:latin typeface="Raleway"/>
               <a:ea typeface="Raleway"/>
@@ -11287,35 +11938,76 @@
             </a:endParaRPr>
           </a:p>
           <a:p>
-            <a:pPr marL="457200" lvl="0" indent="0" algn="l" rtl="0">
-              <a:spcBef>
-                <a:spcPts val="700"/>
-              </a:spcBef>
-              <a:spcAft>
-                <a:spcPts val="0"/>
-              </a:spcAft>
-              <a:buNone/>
+            <a:pPr marL="457200" lvl="0" indent="-317500" algn="l" rtl="0">
+              <a:lnSpc>
+                <a:spcPct val="115000"/>
+              </a:lnSpc>
+              <a:spcBef>
+                <a:spcPts val="1300"/>
+              </a:spcBef>
+              <a:spcAft>
+                <a:spcPts val="0"/>
+              </a:spcAft>
+              <a:buClr>
+                <a:srgbClr val="F46524"/>
+              </a:buClr>
+              <a:buSzPts val="1400"/>
+              <a:buFont typeface="Raleway"/>
+              <a:buChar char="●"/>
             </a:pPr>
-            <a:endParaRPr sz="1200" dirty="0">
-              <a:latin typeface="Raleway"/>
-              <a:ea typeface="Raleway"/>
-              <a:cs typeface="Raleway"/>
-              <a:sym typeface="Raleway"/>
-            </a:endParaRPr>
-          </a:p>
-          <a:p>
-            <a:pPr marL="0" lvl="0" indent="0" algn="l" rtl="0">
-              <a:spcBef>
-                <a:spcPts val="700"/>
-              </a:spcBef>
-              <a:spcAft>
-                <a:spcPts val="0"/>
-              </a:spcAft>
-              <a:buNone/>
-            </a:pPr>
-            <a:endParaRPr sz="1400" b="1" dirty="0">
+            <a:r>
+              <a:rPr lang="pt-BR" b="1" dirty="0">
+                <a:solidFill>
+                  <a:srgbClr val="F46524"/>
+                </a:solidFill>
+                <a:latin typeface="Raleway"/>
+                <a:ea typeface="Raleway"/>
+                <a:cs typeface="Raleway"/>
+                <a:sym typeface="Raleway"/>
+              </a:rPr>
+              <a:t>Quando ocorrem?</a:t>
+            </a:r>
+            <a:br>
+              <a:rPr lang="pt-BR" sz="1200" dirty="0">
+                <a:solidFill>
+                  <a:srgbClr val="000000"/>
+                </a:solidFill>
+                <a:latin typeface="Raleway"/>
+                <a:ea typeface="Raleway"/>
+                <a:cs typeface="Raleway"/>
+                <a:sym typeface="Raleway"/>
+              </a:rPr>
+            </a:br>
+            <a:r>
+              <a:rPr lang="pt-BR" sz="1200" dirty="0">
+                <a:latin typeface="Raleway"/>
+                <a:ea typeface="Raleway"/>
+                <a:cs typeface="Raleway"/>
+                <a:sym typeface="Raleway"/>
+              </a:rPr>
+              <a:t>Somente quando a mesma linha é alterada em </a:t>
+            </a:r>
+            <a:r>
+              <a:rPr lang="pt-BR" sz="1200" dirty="0" err="1">
+                <a:latin typeface="Raleway"/>
+                <a:ea typeface="Raleway"/>
+                <a:cs typeface="Raleway"/>
+                <a:sym typeface="Raleway"/>
+              </a:rPr>
+              <a:t>branches</a:t>
+            </a:r>
+            <a:r>
+              <a:rPr lang="pt-BR" sz="1200" dirty="0">
+                <a:latin typeface="Raleway"/>
+                <a:ea typeface="Raleway"/>
+                <a:cs typeface="Raleway"/>
+                <a:sym typeface="Raleway"/>
+              </a:rPr>
+              <a:t> diferentes e é tentada uma unificação</a:t>
+            </a:r>
+            <a:endParaRPr lang="pt-BR" sz="1200" i="1" dirty="0">
               <a:solidFill>
-                <a:schemeClr val="dk1"/>
+                <a:srgbClr val="000000"/>
               </a:solidFill>
               <a:latin typeface="Raleway"/>
               <a:ea typeface="Raleway"/>
@@ -11324,18 +12016,134 @@
             </a:endParaRPr>
           </a:p>
           <a:p>
-            <a:pPr marL="457200" lvl="0" indent="0" algn="l" rtl="0">
+            <a:pPr marL="457200" lvl="0" indent="-317500" algn="l" rtl="0">
+              <a:lnSpc>
+                <a:spcPct val="115000"/>
+              </a:lnSpc>
               <a:spcBef>
                 <a:spcPts val="700"/>
               </a:spcBef>
               <a:spcAft>
+                <a:spcPts val="0"/>
+              </a:spcAft>
+              <a:buClr>
+                <a:srgbClr val="F46524"/>
+              </a:buClr>
+              <a:buSzPts val="1400"/>
+              <a:buFont typeface="Raleway"/>
+              <a:buChar char="●"/>
+            </a:pPr>
+            <a:r>
+              <a:rPr lang="pt-BR" b="1" dirty="0">
+                <a:solidFill>
+                  <a:srgbClr val="F46524"/>
+                </a:solidFill>
+                <a:latin typeface="Raleway"/>
+                <a:ea typeface="Raleway"/>
+                <a:cs typeface="Raleway"/>
+                <a:sym typeface="Raleway"/>
+              </a:rPr>
+              <a:t>Como resolver?</a:t>
+            </a:r>
+          </a:p>
+          <a:p>
+            <a:pPr marL="311150" lvl="2" indent="-171450">
+              <a:lnSpc>
+                <a:spcPct val="115000"/>
+              </a:lnSpc>
+              <a:spcBef>
                 <a:spcPts val="700"/>
-              </a:spcAft>
-              <a:buNone/>
+              </a:spcBef>
+              <a:buClr>
+                <a:srgbClr val="F46524"/>
+              </a:buClr>
+              <a:buSzPts val="1400"/>
+              <a:buFont typeface="Arial" panose="020B0604020202020204" pitchFamily="34" charset="0"/>
+              <a:buChar char="•"/>
             </a:pPr>
+            <a:r>
+              <a:rPr lang="pt-BR" sz="1200" dirty="0">
+                <a:solidFill>
+                  <a:schemeClr val="bg2"/>
+                </a:solidFill>
+                <a:latin typeface="Raleway"/>
+                <a:ea typeface="Raleway"/>
+                <a:cs typeface="Raleway"/>
+                <a:sym typeface="Raleway"/>
+              </a:rPr>
+              <a:t>Altere o arquivo manualmente</a:t>
+            </a:r>
+          </a:p>
+          <a:p>
+            <a:pPr marL="311150" lvl="2" indent="-171450">
+              <a:lnSpc>
+                <a:spcPct val="115000"/>
+              </a:lnSpc>
+              <a:spcBef>
+                <a:spcPts val="700"/>
+              </a:spcBef>
+              <a:buClr>
+                <a:srgbClr val="F46524"/>
+              </a:buClr>
+              <a:buSzPts val="1400"/>
+              <a:buFont typeface="Arial" panose="020B0604020202020204" pitchFamily="34" charset="0"/>
+              <a:buChar char="•"/>
+            </a:pPr>
+            <a:r>
+              <a:rPr lang="pt-BR" sz="1200" dirty="0">
+                <a:solidFill>
+                  <a:schemeClr val="bg2"/>
+                </a:solidFill>
+                <a:latin typeface="Raleway"/>
+                <a:ea typeface="Raleway"/>
+                <a:cs typeface="Raleway"/>
+                <a:sym typeface="Raleway"/>
+              </a:rPr>
+              <a:t>Adicione ao versionamento novamente</a:t>
+            </a:r>
+          </a:p>
+          <a:p>
+            <a:pPr marL="311150" lvl="2" indent="-171450">
+              <a:lnSpc>
+                <a:spcPct val="115000"/>
+              </a:lnSpc>
+              <a:spcBef>
+                <a:spcPts val="700"/>
+              </a:spcBef>
+              <a:buClr>
+                <a:srgbClr val="F46524"/>
+              </a:buClr>
+              <a:buSzPts val="1400"/>
+              <a:buFont typeface="Arial" panose="020B0604020202020204" pitchFamily="34" charset="0"/>
+              <a:buChar char="•"/>
+            </a:pPr>
+            <a:r>
+              <a:rPr lang="pt-BR" sz="1200" dirty="0">
+                <a:solidFill>
+                  <a:schemeClr val="bg2"/>
+                </a:solidFill>
+                <a:latin typeface="Raleway"/>
+                <a:ea typeface="Raleway"/>
+                <a:cs typeface="Raleway"/>
+                <a:sym typeface="Raleway"/>
+              </a:rPr>
+              <a:t>Faça um novo </a:t>
+            </a:r>
+            <a:r>
+              <a:rPr lang="pt-BR" sz="1200" dirty="0" err="1">
+                <a:solidFill>
+                  <a:schemeClr val="bg2"/>
+                </a:solidFill>
+                <a:latin typeface="Raleway"/>
+                <a:ea typeface="Raleway"/>
+                <a:cs typeface="Raleway"/>
+                <a:sym typeface="Raleway"/>
+              </a:rPr>
+              <a:t>commit</a:t>
+            </a:r>
             <a:endParaRPr sz="1200" dirty="0">
               <a:solidFill>
-                <a:schemeClr val="dk2"/>
+                <a:schemeClr val="bg2"/>
               </a:solidFill>
               <a:latin typeface="Raleway"/>
               <a:ea typeface="Raleway"/>
@@ -11652,6 +12460,488 @@
   <p:cSld>
     <p:spTree>
       <p:nvGrpSpPr>
+        <p:cNvPr id="1" name="Shape 186"/>
+        <p:cNvGrpSpPr/>
+        <p:nvPr/>
+      </p:nvGrpSpPr>
+      <p:grpSpPr>
+        <a:xfrm>
+          <a:off x="0" y="0"/>
+          <a:ext cx="0" cy="0"/>
+          <a:chOff x="0" y="0"/>
+          <a:chExt cx="0" cy="0"/>
+        </a:xfrm>
+      </p:grpSpPr>
+      <p:sp>
+        <p:nvSpPr>
+          <p:cNvPr id="187" name="Google Shape;187;p28"/>
+          <p:cNvSpPr txBox="1"/>
+          <p:nvPr/>
+        </p:nvSpPr>
+        <p:spPr>
+          <a:xfrm>
+            <a:off x="0" y="0"/>
+            <a:ext cx="4240500" cy="762600"/>
+          </a:xfrm>
+          <a:prstGeom prst="rect">
+            <a:avLst/>
+          </a:prstGeom>
+          <a:noFill/>
+          <a:ln>
+            <a:noFill/>
+          </a:ln>
+        </p:spPr>
+        <p:txBody>
+          <a:bodyPr spcFirstLastPara="1" wrap="square" lIns="91425" tIns="91425" rIns="91425" bIns="91425" anchor="b" anchorCtr="0">
+            <a:noAutofit/>
+          </a:bodyPr>
+          <a:lstStyle/>
+          <a:p>
+            <a:pPr marL="0" lvl="0" indent="0" algn="l" rtl="0">
+              <a:spcBef>
+                <a:spcPts val="0"/>
+              </a:spcBef>
+              <a:spcAft>
+                <a:spcPts val="0"/>
+              </a:spcAft>
+              <a:buNone/>
+            </a:pPr>
+            <a:r>
+              <a:rPr lang="pt-BR" sz="3000" b="1" dirty="0">
+                <a:solidFill>
+                  <a:schemeClr val="lt2"/>
+                </a:solidFill>
+                <a:latin typeface="Raleway"/>
+                <a:ea typeface="Raleway"/>
+                <a:cs typeface="Raleway"/>
+                <a:sym typeface="Raleway"/>
+              </a:rPr>
+              <a:t>Recursos Adicionais</a:t>
+            </a:r>
+            <a:endParaRPr sz="3000" b="1" dirty="0">
+              <a:solidFill>
+                <a:schemeClr val="lt2"/>
+              </a:solidFill>
+              <a:latin typeface="Raleway"/>
+              <a:ea typeface="Raleway"/>
+              <a:cs typeface="Raleway"/>
+              <a:sym typeface="Raleway"/>
+            </a:endParaRPr>
+          </a:p>
+        </p:txBody>
+      </p:sp>
+      <p:pic>
+        <p:nvPicPr>
+          <p:cNvPr id="188" name="Google Shape;188;p28"/>
+          <p:cNvPicPr preferRelativeResize="0"/>
+          <p:nvPr/>
+        </p:nvPicPr>
+        <p:blipFill>
+          <a:blip r:embed="rId3">
+            <a:alphaModFix/>
+          </a:blip>
+          <a:stretch>
+            <a:fillRect/>
+          </a:stretch>
+        </p:blipFill>
+        <p:spPr>
+          <a:xfrm>
+            <a:off x="8400500" y="4375825"/>
+            <a:ext cx="832175" cy="832175"/>
+          </a:xfrm>
+          <a:prstGeom prst="rect">
+            <a:avLst/>
+          </a:prstGeom>
+          <a:noFill/>
+          <a:ln>
+            <a:noFill/>
+          </a:ln>
+        </p:spPr>
+      </p:pic>
+      <p:sp>
+        <p:nvSpPr>
+          <p:cNvPr id="5" name="Google Shape;145;p22">
+            <a:extLst>
+              <a:ext uri="{FF2B5EF4-FFF2-40B4-BE49-F238E27FC236}">
+                <a16:creationId xmlns:a16="http://schemas.microsoft.com/office/drawing/2014/main" id="{1213027C-64A3-4ECD-8B89-FBCDE6892CFE}"/>
+              </a:ext>
+            </a:extLst>
+          </p:cNvPr>
+          <p:cNvSpPr txBox="1"/>
+          <p:nvPr/>
+        </p:nvSpPr>
+        <p:spPr>
+          <a:xfrm>
+            <a:off x="537000" y="762600"/>
+            <a:ext cx="3910800" cy="4003500"/>
+          </a:xfrm>
+          <a:prstGeom prst="rect">
+            <a:avLst/>
+          </a:prstGeom>
+          <a:noFill/>
+          <a:ln>
+            <a:noFill/>
+          </a:ln>
+        </p:spPr>
+        <p:txBody>
+          <a:bodyPr spcFirstLastPara="1" wrap="square" lIns="91425" tIns="91425" rIns="91425" bIns="91425" anchor="t" anchorCtr="0">
+            <a:noAutofit/>
+          </a:bodyPr>
+          <a:lstStyle/>
+          <a:p>
+            <a:pPr marL="0" lvl="0" indent="0" algn="l" rtl="0">
+              <a:lnSpc>
+                <a:spcPct val="115000"/>
+              </a:lnSpc>
+              <a:spcBef>
+                <a:spcPts val="0"/>
+              </a:spcBef>
+              <a:spcAft>
+                <a:spcPts val="0"/>
+              </a:spcAft>
+              <a:buNone/>
+            </a:pPr>
+            <a:r>
+              <a:rPr lang="pt-BR" b="1" dirty="0">
+                <a:latin typeface="Raleway"/>
+                <a:ea typeface="Raleway"/>
+                <a:cs typeface="Raleway"/>
+                <a:sym typeface="Raleway"/>
+              </a:rPr>
+              <a:t>Explore outras funcionalidades</a:t>
+            </a:r>
+            <a:r>
+              <a:rPr lang="pt-BR" sz="1200" b="1" dirty="0">
+                <a:latin typeface="Raleway"/>
+                <a:ea typeface="Raleway"/>
+                <a:cs typeface="Raleway"/>
+                <a:sym typeface="Raleway"/>
+              </a:rPr>
+              <a:t>	</a:t>
+            </a:r>
+            <a:endParaRPr sz="1200" b="1" dirty="0">
+              <a:solidFill>
+                <a:srgbClr val="000000"/>
+              </a:solidFill>
+              <a:latin typeface="Raleway"/>
+              <a:ea typeface="Raleway"/>
+              <a:cs typeface="Raleway"/>
+              <a:sym typeface="Raleway"/>
+            </a:endParaRPr>
+          </a:p>
+          <a:p>
+            <a:pPr marL="457200" lvl="0" indent="-317500" algn="l" rtl="0">
+              <a:lnSpc>
+                <a:spcPct val="115000"/>
+              </a:lnSpc>
+              <a:spcBef>
+                <a:spcPts val="1300"/>
+              </a:spcBef>
+              <a:spcAft>
+                <a:spcPts val="0"/>
+              </a:spcAft>
+              <a:buClr>
+                <a:srgbClr val="F46524"/>
+              </a:buClr>
+              <a:buSzPts val="1400"/>
+              <a:buFont typeface="Raleway"/>
+              <a:buChar char="●"/>
+            </a:pPr>
+            <a:r>
+              <a:rPr lang="pt-BR" b="1" dirty="0" err="1">
+                <a:solidFill>
+                  <a:srgbClr val="F46524"/>
+                </a:solidFill>
+                <a:latin typeface="Raleway"/>
+                <a:ea typeface="Raleway"/>
+                <a:cs typeface="Raleway"/>
+                <a:sym typeface="Raleway"/>
+              </a:rPr>
+              <a:t>git</a:t>
+            </a:r>
+            <a:r>
+              <a:rPr lang="pt-BR" b="1" dirty="0">
+                <a:solidFill>
+                  <a:srgbClr val="F46524"/>
+                </a:solidFill>
+                <a:latin typeface="Raleway"/>
+                <a:ea typeface="Raleway"/>
+                <a:cs typeface="Raleway"/>
+                <a:sym typeface="Raleway"/>
+              </a:rPr>
+              <a:t> </a:t>
+            </a:r>
+            <a:r>
+              <a:rPr lang="pt-BR" b="1" dirty="0" err="1">
+                <a:solidFill>
+                  <a:srgbClr val="F46524"/>
+                </a:solidFill>
+                <a:latin typeface="Raleway"/>
+                <a:ea typeface="Raleway"/>
+                <a:cs typeface="Raleway"/>
+                <a:sym typeface="Raleway"/>
+              </a:rPr>
+              <a:t>blame</a:t>
+            </a:r>
+            <a:endParaRPr sz="1200" dirty="0">
+              <a:solidFill>
+                <a:srgbClr val="000000"/>
+              </a:solidFill>
+              <a:latin typeface="Raleway"/>
+              <a:ea typeface="Raleway"/>
+              <a:cs typeface="Raleway"/>
+              <a:sym typeface="Raleway"/>
+            </a:endParaRPr>
+          </a:p>
+          <a:p>
+            <a:pPr marL="457200" lvl="0" indent="-317500" algn="l" rtl="0">
+              <a:lnSpc>
+                <a:spcPct val="115000"/>
+              </a:lnSpc>
+              <a:spcBef>
+                <a:spcPts val="700"/>
+              </a:spcBef>
+              <a:spcAft>
+                <a:spcPts val="0"/>
+              </a:spcAft>
+              <a:buClr>
+                <a:srgbClr val="F46524"/>
+              </a:buClr>
+              <a:buSzPts val="1400"/>
+              <a:buFont typeface="Raleway"/>
+              <a:buChar char="●"/>
+            </a:pPr>
+            <a:r>
+              <a:rPr lang="pt-BR" b="1" dirty="0" err="1">
+                <a:solidFill>
+                  <a:srgbClr val="F46524"/>
+                </a:solidFill>
+                <a:latin typeface="Raleway"/>
+                <a:ea typeface="Raleway"/>
+                <a:cs typeface="Raleway"/>
+                <a:sym typeface="Raleway"/>
+              </a:rPr>
+              <a:t>git</a:t>
+            </a:r>
+            <a:r>
+              <a:rPr lang="pt-BR" b="1" dirty="0">
+                <a:solidFill>
+                  <a:srgbClr val="F46524"/>
+                </a:solidFill>
+                <a:latin typeface="Raleway"/>
+                <a:ea typeface="Raleway"/>
+                <a:cs typeface="Raleway"/>
+                <a:sym typeface="Raleway"/>
+              </a:rPr>
+              <a:t> </a:t>
+            </a:r>
+            <a:r>
+              <a:rPr lang="pt-BR" b="1" dirty="0" err="1">
+                <a:solidFill>
+                  <a:srgbClr val="F46524"/>
+                </a:solidFill>
+                <a:latin typeface="Raleway"/>
+                <a:ea typeface="Raleway"/>
+                <a:cs typeface="Raleway"/>
+                <a:sym typeface="Raleway"/>
+              </a:rPr>
+              <a:t>hooks</a:t>
+            </a:r>
+            <a:endParaRPr b="1" dirty="0">
+              <a:solidFill>
+                <a:srgbClr val="F46524"/>
+              </a:solidFill>
+              <a:latin typeface="Raleway"/>
+              <a:ea typeface="Raleway"/>
+              <a:cs typeface="Raleway"/>
+              <a:sym typeface="Raleway"/>
+            </a:endParaRPr>
+          </a:p>
+          <a:p>
+            <a:pPr marL="457200" lvl="0" indent="-317500" algn="l" rtl="0">
+              <a:lnSpc>
+                <a:spcPct val="115000"/>
+              </a:lnSpc>
+              <a:spcBef>
+                <a:spcPts val="700"/>
+              </a:spcBef>
+              <a:spcAft>
+                <a:spcPts val="0"/>
+              </a:spcAft>
+              <a:buClr>
+                <a:srgbClr val="F46524"/>
+              </a:buClr>
+              <a:buSzPts val="1400"/>
+              <a:buFont typeface="Raleway"/>
+              <a:buChar char="●"/>
+            </a:pPr>
+            <a:r>
+              <a:rPr lang="pt-BR" b="1" dirty="0" err="1">
+                <a:solidFill>
+                  <a:schemeClr val="dk1"/>
+                </a:solidFill>
+                <a:latin typeface="Raleway"/>
+                <a:ea typeface="Raleway"/>
+                <a:cs typeface="Raleway"/>
+                <a:sym typeface="Raleway"/>
+              </a:rPr>
+              <a:t>git</a:t>
+            </a:r>
+            <a:r>
+              <a:rPr lang="pt-BR" b="1" dirty="0">
+                <a:solidFill>
+                  <a:schemeClr val="dk1"/>
+                </a:solidFill>
+                <a:latin typeface="Raleway"/>
+                <a:ea typeface="Raleway"/>
+                <a:cs typeface="Raleway"/>
+                <a:sym typeface="Raleway"/>
+              </a:rPr>
+              <a:t> </a:t>
+            </a:r>
+            <a:r>
+              <a:rPr lang="pt-BR" b="1" dirty="0" err="1">
+                <a:solidFill>
+                  <a:schemeClr val="dk1"/>
+                </a:solidFill>
+                <a:latin typeface="Raleway"/>
+                <a:ea typeface="Raleway"/>
+                <a:cs typeface="Raleway"/>
+                <a:sym typeface="Raleway"/>
+              </a:rPr>
+              <a:t>stash</a:t>
+            </a:r>
+            <a:endParaRPr sz="1200" dirty="0">
+              <a:latin typeface="Raleway"/>
+              <a:ea typeface="Raleway"/>
+              <a:cs typeface="Raleway"/>
+              <a:sym typeface="Raleway"/>
+            </a:endParaRPr>
+          </a:p>
+          <a:p>
+            <a:pPr marL="457200" lvl="0" indent="-317500" algn="l" rtl="0">
+              <a:lnSpc>
+                <a:spcPct val="115000"/>
+              </a:lnSpc>
+              <a:spcBef>
+                <a:spcPts val="700"/>
+              </a:spcBef>
+              <a:spcAft>
+                <a:spcPts val="0"/>
+              </a:spcAft>
+              <a:buClr>
+                <a:schemeClr val="dk1"/>
+              </a:buClr>
+              <a:buSzPts val="1400"/>
+              <a:buFont typeface="Raleway"/>
+              <a:buChar char="●"/>
+            </a:pPr>
+            <a:r>
+              <a:rPr lang="pt-BR" b="1" dirty="0" err="1">
+                <a:solidFill>
+                  <a:schemeClr val="dk1"/>
+                </a:solidFill>
+                <a:latin typeface="Raleway"/>
+                <a:ea typeface="Raleway"/>
+                <a:cs typeface="Raleway"/>
+                <a:sym typeface="Raleway"/>
+              </a:rPr>
+              <a:t>git</a:t>
+            </a:r>
+            <a:r>
+              <a:rPr lang="pt-BR" b="1" dirty="0">
+                <a:solidFill>
+                  <a:schemeClr val="dk1"/>
+                </a:solidFill>
+                <a:latin typeface="Raleway"/>
+                <a:ea typeface="Raleway"/>
+                <a:cs typeface="Raleway"/>
+                <a:sym typeface="Raleway"/>
+              </a:rPr>
+              <a:t> </a:t>
+            </a:r>
+            <a:r>
+              <a:rPr lang="pt-BR" b="1" dirty="0" err="1">
+                <a:solidFill>
+                  <a:schemeClr val="dk1"/>
+                </a:solidFill>
+                <a:latin typeface="Raleway"/>
+                <a:ea typeface="Raleway"/>
+                <a:cs typeface="Raleway"/>
+                <a:sym typeface="Raleway"/>
+              </a:rPr>
+              <a:t>tag</a:t>
+            </a:r>
+            <a:endParaRPr lang="pt-BR" sz="1200" b="1" dirty="0">
+              <a:solidFill>
+                <a:schemeClr val="dk1"/>
+              </a:solidFill>
+              <a:latin typeface="Raleway"/>
+              <a:ea typeface="Raleway"/>
+              <a:cs typeface="Raleway"/>
+              <a:sym typeface="Raleway"/>
+            </a:endParaRPr>
+          </a:p>
+          <a:p>
+            <a:pPr marL="457200" lvl="0" indent="-317500" algn="l" rtl="0">
+              <a:lnSpc>
+                <a:spcPct val="115000"/>
+              </a:lnSpc>
+              <a:spcBef>
+                <a:spcPts val="700"/>
+              </a:spcBef>
+              <a:spcAft>
+                <a:spcPts val="0"/>
+              </a:spcAft>
+              <a:buClr>
+                <a:schemeClr val="dk1"/>
+              </a:buClr>
+              <a:buSzPts val="1400"/>
+              <a:buFont typeface="Raleway"/>
+              <a:buChar char="●"/>
+            </a:pPr>
+            <a:r>
+              <a:rPr lang="pt-BR" sz="1200" b="1" dirty="0">
+                <a:solidFill>
+                  <a:schemeClr val="dk1"/>
+                </a:solidFill>
+                <a:latin typeface="Raleway"/>
+                <a:ea typeface="Raleway"/>
+                <a:cs typeface="Raleway"/>
+                <a:sym typeface="Raleway"/>
+              </a:rPr>
+              <a:t>...</a:t>
+            </a:r>
+            <a:endParaRPr b="1" dirty="0">
+              <a:solidFill>
+                <a:schemeClr val="dk1"/>
+              </a:solidFill>
+              <a:latin typeface="Raleway"/>
+              <a:ea typeface="Raleway"/>
+              <a:cs typeface="Raleway"/>
+              <a:sym typeface="Raleway"/>
+            </a:endParaRPr>
+          </a:p>
+        </p:txBody>
+      </p:sp>
+    </p:spTree>
+    <p:extLst>
+      <p:ext uri="{BB962C8B-B14F-4D97-AF65-F5344CB8AC3E}">
+        <p14:creationId xmlns:p14="http://schemas.microsoft.com/office/powerpoint/2010/main" val="2458218961"/>
+      </p:ext>
+    </p:extLst>
+  </p:cSld>
+  <p:clrMapOvr>
+    <a:masterClrMapping/>
+  </p:clrMapOvr>
+</p:sld>
+</file>
+
+<file path=ppt/slides/slide18.xml><?xml version="1.0" encoding="utf-8"?>
+<p:sld xmlns:a="http://schemas.openxmlformats.org/drawingml/2006/main" xmlns:r="http://schemas.openxmlformats.org/officeDocument/2006/relationships" xmlns:p="http://schemas.openxmlformats.org/presentationml/2006/main">
+  <p:cSld>
+    <p:spTree>
+      <p:nvGrpSpPr>
         <p:cNvPr id="1" name="Shape 193"/>
         <p:cNvGrpSpPr/>
         <p:nvPr/>
@@ -14376,7 +15666,7 @@
               <a:buNone/>
             </a:pPr>
             <a:r>
-              <a:rPr lang="pt-BR" b="1">
+              <a:rPr lang="pt-BR" b="1" dirty="0">
                 <a:latin typeface="Raleway"/>
                 <a:ea typeface="Raleway"/>
                 <a:cs typeface="Raleway"/>
@@ -14385,7 +15675,7 @@
               <a:t>Comandos básicos</a:t>
             </a:r>
             <a:r>
-              <a:rPr lang="pt-BR" sz="1200" b="1">
+              <a:rPr lang="pt-BR" sz="1200" b="1" dirty="0">
                 <a:latin typeface="Raleway"/>
                 <a:ea typeface="Raleway"/>
                 <a:cs typeface="Raleway"/>
@@ -14393,7 +15683,7 @@
               </a:rPr>
               <a:t>	</a:t>
             </a:r>
-            <a:endParaRPr sz="1200" b="1">
+            <a:endParaRPr sz="1200" b="1" dirty="0">
               <a:solidFill>
                 <a:srgbClr val="000000"/>
               </a:solidFill>
@@ -14422,7 +15712,7 @@
               <a:buChar char="●"/>
             </a:pPr>
             <a:r>
-              <a:rPr lang="pt-BR" b="1">
+              <a:rPr lang="pt-BR" b="1" dirty="0" err="1">
                 <a:solidFill>
                   <a:srgbClr val="F46524"/>
                 </a:solidFill>
@@ -14431,10 +15721,34 @@
                 <a:cs typeface="Raleway"/>
                 <a:sym typeface="Raleway"/>
               </a:rPr>
-              <a:t>git init</a:t>
+              <a:t>git</a:t>
+            </a:r>
+            <a:r>
+              <a:rPr lang="pt-BR" b="1" dirty="0">
+                <a:solidFill>
+                  <a:srgbClr val="F46524"/>
+                </a:solidFill>
+                <a:latin typeface="Raleway"/>
+                <a:ea typeface="Raleway"/>
+                <a:cs typeface="Raleway"/>
+                <a:sym typeface="Raleway"/>
+              </a:rPr>
+              <a:t> </a:t>
+            </a:r>
+            <a:r>
+              <a:rPr lang="pt-BR" b="1" dirty="0" err="1">
+                <a:solidFill>
+                  <a:srgbClr val="F46524"/>
+                </a:solidFill>
+                <a:latin typeface="Raleway"/>
+                <a:ea typeface="Raleway"/>
+                <a:cs typeface="Raleway"/>
+                <a:sym typeface="Raleway"/>
+              </a:rPr>
+              <a:t>init</a:t>
             </a:r>
             <a:br>
-              <a:rPr lang="pt-BR" sz="1200">
+              <a:rPr lang="pt-BR" sz="1200" dirty="0">
                 <a:solidFill>
                   <a:srgbClr val="000000"/>
                 </a:solidFill>
@@ -14445,15 +15759,24 @@
               </a:rPr>
             </a:br>
             <a:r>
-              <a:rPr lang="pt-BR" sz="1200">
-                <a:latin typeface="Raleway"/>
-                <a:ea typeface="Raleway"/>
-                <a:cs typeface="Raleway"/>
-                <a:sym typeface="Raleway"/>
-              </a:rPr>
-              <a:t>Inicia novo repositório local git</a:t>
-            </a:r>
-            <a:endParaRPr sz="1200">
+              <a:rPr lang="pt-BR" sz="1200" dirty="0">
+                <a:latin typeface="Raleway"/>
+                <a:ea typeface="Raleway"/>
+                <a:cs typeface="Raleway"/>
+                <a:sym typeface="Raleway"/>
+              </a:rPr>
+              <a:t>Inicia novo repositório local </a:t>
+            </a:r>
+            <a:r>
+              <a:rPr lang="pt-BR" sz="1200" dirty="0" err="1">
+                <a:latin typeface="Raleway"/>
+                <a:ea typeface="Raleway"/>
+                <a:cs typeface="Raleway"/>
+                <a:sym typeface="Raleway"/>
+              </a:rPr>
+              <a:t>git</a:t>
+            </a:r>
+            <a:endParaRPr sz="1200" dirty="0">
               <a:solidFill>
                 <a:srgbClr val="000000"/>
               </a:solidFill>
@@ -14482,7 +15805,7 @@
               <a:buChar char="●"/>
             </a:pPr>
             <a:r>
-              <a:rPr lang="pt-BR" b="1">
+              <a:rPr lang="pt-BR" b="1" dirty="0" err="1">
                 <a:solidFill>
                   <a:srgbClr val="F46524"/>
                 </a:solidFill>
@@ -14491,9 +15814,45 @@
                 <a:cs typeface="Raleway"/>
                 <a:sym typeface="Raleway"/>
               </a:rPr>
-              <a:t>git add .</a:t>
-            </a:r>
-            <a:endParaRPr b="1">
+              <a:t>git</a:t>
+            </a:r>
+            <a:r>
+              <a:rPr lang="pt-BR" b="1" dirty="0">
+                <a:solidFill>
+                  <a:srgbClr val="F46524"/>
+                </a:solidFill>
+                <a:latin typeface="Raleway"/>
+                <a:ea typeface="Raleway"/>
+                <a:cs typeface="Raleway"/>
+                <a:sym typeface="Raleway"/>
+              </a:rPr>
+              <a:t> </a:t>
+            </a:r>
+            <a:r>
+              <a:rPr lang="pt-BR" b="1" dirty="0" err="1">
+                <a:solidFill>
+                  <a:srgbClr val="F46524"/>
+                </a:solidFill>
+                <a:latin typeface="Raleway"/>
+                <a:ea typeface="Raleway"/>
+                <a:cs typeface="Raleway"/>
+                <a:sym typeface="Raleway"/>
+              </a:rPr>
+              <a:t>add</a:t>
+            </a:r>
+            <a:r>
+              <a:rPr lang="pt-BR" b="1" dirty="0">
+                <a:solidFill>
+                  <a:srgbClr val="F46524"/>
+                </a:solidFill>
+                <a:latin typeface="Raleway"/>
+                <a:ea typeface="Raleway"/>
+                <a:cs typeface="Raleway"/>
+                <a:sym typeface="Raleway"/>
+              </a:rPr>
+              <a:t> .</a:t>
+            </a:r>
+            <a:endParaRPr b="1" dirty="0">
               <a:solidFill>
                 <a:srgbClr val="F46524"/>
               </a:solidFill>
@@ -14517,7 +15876,7 @@
               <a:buNone/>
             </a:pPr>
             <a:r>
-              <a:rPr lang="pt-BR" sz="1200">
+              <a:rPr lang="pt-BR" sz="1200" dirty="0">
                 <a:solidFill>
                   <a:schemeClr val="dk2"/>
                 </a:solidFill>
@@ -14526,9 +15885,9 @@
                 <a:cs typeface="Raleway"/>
                 <a:sym typeface="Raleway"/>
               </a:rPr>
-              <a:t>Adiciona os arquivos e pastas ao versionamento</a:t>
-            </a:r>
-            <a:endParaRPr b="1">
+              <a:t>Adiciona os arquivos e pastas do diretório atual ao versionamento</a:t>
+            </a:r>
+            <a:endParaRPr b="1" dirty="0">
               <a:solidFill>
                 <a:srgbClr val="F46524"/>
               </a:solidFill>
@@ -14557,7 +15916,7 @@
               <a:buChar char="●"/>
             </a:pPr>
             <a:r>
-              <a:rPr lang="pt-BR" b="1">
+              <a:rPr lang="pt-BR" b="1" dirty="0" err="1">
                 <a:solidFill>
                   <a:schemeClr val="dk1"/>
                 </a:solidFill>
@@ -14566,10 +15925,46 @@
                 <a:cs typeface="Raleway"/>
                 <a:sym typeface="Raleway"/>
               </a:rPr>
-              <a:t>git commit -m ‘&lt;mensagem&gt;’</a:t>
+              <a:t>git</a:t>
+            </a:r>
+            <a:r>
+              <a:rPr lang="pt-BR" b="1" dirty="0">
+                <a:solidFill>
+                  <a:schemeClr val="dk1"/>
+                </a:solidFill>
+                <a:latin typeface="Raleway"/>
+                <a:ea typeface="Raleway"/>
+                <a:cs typeface="Raleway"/>
+                <a:sym typeface="Raleway"/>
+              </a:rPr>
+              <a:t> </a:t>
+            </a:r>
+            <a:r>
+              <a:rPr lang="pt-BR" b="1" dirty="0" err="1">
+                <a:solidFill>
+                  <a:schemeClr val="dk1"/>
+                </a:solidFill>
+                <a:latin typeface="Raleway"/>
+                <a:ea typeface="Raleway"/>
+                <a:cs typeface="Raleway"/>
+                <a:sym typeface="Raleway"/>
+              </a:rPr>
+              <a:t>commit</a:t>
+            </a:r>
+            <a:r>
+              <a:rPr lang="pt-BR" b="1" dirty="0">
+                <a:solidFill>
+                  <a:schemeClr val="dk1"/>
+                </a:solidFill>
+                <a:latin typeface="Raleway"/>
+                <a:ea typeface="Raleway"/>
+                <a:cs typeface="Raleway"/>
+                <a:sym typeface="Raleway"/>
+              </a:rPr>
+              <a:t> -m ‘&lt;mensagem&gt;’</a:t>
             </a:r>
             <a:br>
-              <a:rPr lang="pt-BR">
+              <a:rPr lang="pt-BR" dirty="0">
                 <a:solidFill>
                   <a:srgbClr val="000000"/>
                 </a:solidFill>
@@ -14580,7 +15975,7 @@
               </a:rPr>
             </a:br>
             <a:r>
-              <a:rPr lang="pt-BR" sz="1200">
+              <a:rPr lang="pt-BR" sz="1200" dirty="0">
                 <a:latin typeface="Raleway"/>
                 <a:ea typeface="Raleway"/>
                 <a:cs typeface="Raleway"/>
@@ -14588,7 +15983,92 @@
               </a:rPr>
               <a:t>Salva o estado dos arquivos </a:t>
             </a:r>
-            <a:endParaRPr sz="1200">
+          </a:p>
+          <a:p>
+            <a:pPr marL="457200" lvl="0" indent="-317500" algn="l" rtl="0">
+              <a:lnSpc>
+                <a:spcPct val="115000"/>
+              </a:lnSpc>
+              <a:spcBef>
+                <a:spcPts val="700"/>
+              </a:spcBef>
+              <a:spcAft>
+                <a:spcPts val="0"/>
+              </a:spcAft>
+              <a:buClr>
+                <a:srgbClr val="F46524"/>
+              </a:buClr>
+              <a:buSzPts val="1400"/>
+              <a:buFont typeface="Raleway"/>
+              <a:buChar char="●"/>
+            </a:pPr>
+            <a:r>
+              <a:rPr lang="pt-BR" b="1" dirty="0" err="1">
+                <a:solidFill>
+                  <a:schemeClr val="dk1"/>
+                </a:solidFill>
+                <a:latin typeface="Raleway"/>
+                <a:ea typeface="Raleway"/>
+                <a:cs typeface="Raleway"/>
+                <a:sym typeface="Raleway"/>
+              </a:rPr>
+              <a:t>git</a:t>
+            </a:r>
+            <a:r>
+              <a:rPr lang="pt-BR" b="1" dirty="0">
+                <a:solidFill>
+                  <a:schemeClr val="dk1"/>
+                </a:solidFill>
+                <a:latin typeface="Raleway"/>
+                <a:ea typeface="Raleway"/>
+                <a:cs typeface="Raleway"/>
+                <a:sym typeface="Raleway"/>
+              </a:rPr>
+              <a:t> status</a:t>
+            </a:r>
+            <a:br>
+              <a:rPr lang="pt-BR" dirty="0">
+                <a:solidFill>
+                  <a:srgbClr val="000000"/>
+                </a:solidFill>
+                <a:latin typeface="Raleway"/>
+                <a:ea typeface="Raleway"/>
+                <a:cs typeface="Raleway"/>
+                <a:sym typeface="Raleway"/>
+              </a:rPr>
+            </a:br>
+            <a:r>
+              <a:rPr lang="pt-BR" sz="1200" dirty="0">
+                <a:latin typeface="Raleway"/>
+                <a:ea typeface="Raleway"/>
+                <a:cs typeface="Raleway"/>
+                <a:sym typeface="Raleway"/>
+              </a:rPr>
+              <a:t>Exibe o status dos itens em relação ao versionamento</a:t>
+            </a:r>
+          </a:p>
+          <a:p>
+            <a:pPr marL="457200" lvl="0" indent="-317500" algn="l" rtl="0">
+              <a:lnSpc>
+                <a:spcPct val="115000"/>
+              </a:lnSpc>
+              <a:spcBef>
+                <a:spcPts val="700"/>
+              </a:spcBef>
+              <a:spcAft>
+                <a:spcPts val="0"/>
+              </a:spcAft>
+              <a:buClr>
+                <a:srgbClr val="F46524"/>
+              </a:buClr>
+              <a:buSzPts val="1400"/>
+              <a:buFont typeface="Raleway"/>
+              <a:buChar char="●"/>
+            </a:pPr>
+            <a:endParaRPr b="1" dirty="0">
+              <a:solidFill>
+                <a:schemeClr val="tx1"/>
+              </a:solidFill>
               <a:latin typeface="Raleway"/>
               <a:ea typeface="Raleway"/>
               <a:cs typeface="Raleway"/>
@@ -14608,7 +16088,7 @@
               </a:spcAft>
               <a:buNone/>
             </a:pPr>
-            <a:endParaRPr sz="1200">
+            <a:endParaRPr lang="pt-BR" sz="1200" dirty="0">
               <a:latin typeface="Raleway"/>
               <a:ea typeface="Raleway"/>
               <a:cs typeface="Raleway"/>

--- a/Treinamento GIT.pptx
+++ b/Treinamento GIT.pptx
@@ -31,18 +31,25 @@
   <p:notesSz cx="6858000" cy="9144000"/>
   <p:embeddedFontLst>
     <p:embeddedFont>
-      <p:font typeface="Lato" panose="020B0604020202020204" charset="0"/>
+      <p:font typeface="Consolas" panose="020B0609020204030204" pitchFamily="49" charset="0"/>
       <p:regular r:id="rId21"/>
       <p:bold r:id="rId22"/>
       <p:italic r:id="rId23"/>
       <p:boldItalic r:id="rId24"/>
     </p:embeddedFont>
     <p:embeddedFont>
-      <p:font typeface="Raleway" panose="020B0604020202020204" charset="0"/>
+      <p:font typeface="Lato" panose="020B0604020202020204" charset="0"/>
       <p:regular r:id="rId25"/>
       <p:bold r:id="rId26"/>
       <p:italic r:id="rId27"/>
       <p:boldItalic r:id="rId28"/>
+    </p:embeddedFont>
+    <p:embeddedFont>
+      <p:font typeface="Raleway" panose="020B0604020202020204" charset="0"/>
+      <p:regular r:id="rId29"/>
+      <p:bold r:id="rId30"/>
+      <p:italic r:id="rId31"/>
+      <p:boldItalic r:id="rId32"/>
     </p:embeddedFont>
   </p:embeddedFontLst>
   <p:defaultTextStyle>
@@ -1179,7 +1186,7 @@
         </p:nvSpPr>
         <p:spPr>
           <a:xfrm>
-            <a:off x="381300" y="685800"/>
+            <a:off x="381000" y="685800"/>
             <a:ext cx="6096000" cy="3429000"/>
           </a:xfrm>
           <a:custGeom>
@@ -11552,16 +11559,25 @@
               <a:buNone/>
             </a:pPr>
             <a:r>
-              <a:rPr lang="pt-BR" b="1">
-                <a:latin typeface="Raleway"/>
-                <a:ea typeface="Raleway"/>
-                <a:cs typeface="Raleway"/>
-                <a:sym typeface="Raleway"/>
-              </a:rPr>
-              <a:t>Trabalhando com branches</a:t>
-            </a:r>
-            <a:r>
-              <a:rPr lang="pt-BR" sz="1200" b="1">
+              <a:rPr lang="pt-BR" b="1" dirty="0">
+                <a:latin typeface="Raleway"/>
+                <a:ea typeface="Raleway"/>
+                <a:cs typeface="Raleway"/>
+                <a:sym typeface="Raleway"/>
+              </a:rPr>
+              <a:t>Trabalhando com </a:t>
+            </a:r>
+            <a:r>
+              <a:rPr lang="pt-BR" b="1" dirty="0" err="1">
+                <a:latin typeface="Raleway"/>
+                <a:ea typeface="Raleway"/>
+                <a:cs typeface="Raleway"/>
+                <a:sym typeface="Raleway"/>
+              </a:rPr>
+              <a:t>branches</a:t>
+            </a:r>
+            <a:r>
+              <a:rPr lang="pt-BR" sz="1200" b="1" dirty="0">
                 <a:latin typeface="Raleway"/>
                 <a:ea typeface="Raleway"/>
                 <a:cs typeface="Raleway"/>
@@ -11569,7 +11585,7 @@
               </a:rPr>
               <a:t>	</a:t>
             </a:r>
-            <a:endParaRPr sz="1200" b="1">
+            <a:endParaRPr sz="1200" b="1" dirty="0">
               <a:solidFill>
                 <a:srgbClr val="000000"/>
               </a:solidFill>
@@ -11598,7 +11614,7 @@
               <a:buChar char="●"/>
             </a:pPr>
             <a:r>
-              <a:rPr lang="pt-BR" b="1">
+              <a:rPr lang="pt-BR" b="1" dirty="0" err="1">
                 <a:solidFill>
                   <a:srgbClr val="F46524"/>
                 </a:solidFill>
@@ -11607,10 +11623,46 @@
                 <a:cs typeface="Raleway"/>
                 <a:sym typeface="Raleway"/>
               </a:rPr>
-              <a:t>git merge &lt;branch&gt;</a:t>
+              <a:t>git</a:t>
+            </a:r>
+            <a:r>
+              <a:rPr lang="pt-BR" b="1" dirty="0">
+                <a:solidFill>
+                  <a:srgbClr val="F46524"/>
+                </a:solidFill>
+                <a:latin typeface="Raleway"/>
+                <a:ea typeface="Raleway"/>
+                <a:cs typeface="Raleway"/>
+                <a:sym typeface="Raleway"/>
+              </a:rPr>
+              <a:t> merge &lt;</a:t>
+            </a:r>
+            <a:r>
+              <a:rPr lang="pt-BR" b="1" dirty="0" err="1">
+                <a:solidFill>
+                  <a:srgbClr val="F46524"/>
+                </a:solidFill>
+                <a:latin typeface="Raleway"/>
+                <a:ea typeface="Raleway"/>
+                <a:cs typeface="Raleway"/>
+                <a:sym typeface="Raleway"/>
+              </a:rPr>
+              <a:t>branch</a:t>
+            </a:r>
+            <a:r>
+              <a:rPr lang="pt-BR" b="1" dirty="0">
+                <a:solidFill>
+                  <a:srgbClr val="F46524"/>
+                </a:solidFill>
+                <a:latin typeface="Raleway"/>
+                <a:ea typeface="Raleway"/>
+                <a:cs typeface="Raleway"/>
+                <a:sym typeface="Raleway"/>
+              </a:rPr>
+              <a:t>&gt;</a:t>
             </a:r>
             <a:br>
-              <a:rPr lang="pt-BR" sz="1200">
+              <a:rPr lang="pt-BR" sz="1200" dirty="0">
                 <a:solidFill>
                   <a:srgbClr val="000000"/>
                 </a:solidFill>
@@ -11621,15 +11673,42 @@
               </a:rPr>
             </a:br>
             <a:r>
-              <a:rPr lang="pt-BR" sz="1200">
-                <a:latin typeface="Raleway"/>
-                <a:ea typeface="Raleway"/>
-                <a:cs typeface="Raleway"/>
-                <a:sym typeface="Raleway"/>
-              </a:rPr>
-              <a:t>Mescla outra branch na atual, gerando um commit</a:t>
-            </a:r>
-            <a:endParaRPr sz="1200">
+              <a:rPr lang="pt-BR" sz="1200" dirty="0">
+                <a:latin typeface="Raleway"/>
+                <a:ea typeface="Raleway"/>
+                <a:cs typeface="Raleway"/>
+                <a:sym typeface="Raleway"/>
+              </a:rPr>
+              <a:t>Mescla outra </a:t>
+            </a:r>
+            <a:r>
+              <a:rPr lang="pt-BR" sz="1200" dirty="0" err="1">
+                <a:latin typeface="Raleway"/>
+                <a:ea typeface="Raleway"/>
+                <a:cs typeface="Raleway"/>
+                <a:sym typeface="Raleway"/>
+              </a:rPr>
+              <a:t>branch</a:t>
+            </a:r>
+            <a:r>
+              <a:rPr lang="pt-BR" sz="1200" dirty="0">
+                <a:latin typeface="Raleway"/>
+                <a:ea typeface="Raleway"/>
+                <a:cs typeface="Raleway"/>
+                <a:sym typeface="Raleway"/>
+              </a:rPr>
+              <a:t> na atual, gerando um </a:t>
+            </a:r>
+            <a:r>
+              <a:rPr lang="pt-BR" sz="1200" dirty="0" err="1">
+                <a:latin typeface="Raleway"/>
+                <a:ea typeface="Raleway"/>
+                <a:cs typeface="Raleway"/>
+                <a:sym typeface="Raleway"/>
+              </a:rPr>
+              <a:t>commit</a:t>
+            </a:r>
+            <a:endParaRPr sz="1200" dirty="0">
               <a:latin typeface="Raleway"/>
               <a:ea typeface="Raleway"/>
               <a:cs typeface="Raleway"/>
@@ -11655,7 +11734,7 @@
               <a:buChar char="●"/>
             </a:pPr>
             <a:r>
-              <a:rPr lang="pt-BR" b="1">
+              <a:rPr lang="pt-BR" b="1" dirty="0" err="1">
                 <a:solidFill>
                   <a:schemeClr val="dk1"/>
                 </a:solidFill>
@@ -11664,10 +11743,70 @@
                 <a:cs typeface="Raleway"/>
                 <a:sym typeface="Raleway"/>
               </a:rPr>
-              <a:t>git rebase &lt;branch&gt;</a:t>
+              <a:t>git</a:t>
+            </a:r>
+            <a:r>
+              <a:rPr lang="pt-BR" b="1" dirty="0">
+                <a:solidFill>
+                  <a:schemeClr val="dk1"/>
+                </a:solidFill>
+                <a:latin typeface="Raleway"/>
+                <a:ea typeface="Raleway"/>
+                <a:cs typeface="Raleway"/>
+                <a:sym typeface="Raleway"/>
+              </a:rPr>
+              <a:t> </a:t>
+            </a:r>
+            <a:r>
+              <a:rPr lang="pt-BR" b="1" dirty="0" err="1">
+                <a:solidFill>
+                  <a:schemeClr val="dk1"/>
+                </a:solidFill>
+                <a:latin typeface="Raleway"/>
+                <a:ea typeface="Raleway"/>
+                <a:cs typeface="Raleway"/>
+                <a:sym typeface="Raleway"/>
+              </a:rPr>
+              <a:t>rebase</a:t>
+            </a:r>
+            <a:r>
+              <a:rPr lang="pt-BR" b="1" dirty="0">
+                <a:solidFill>
+                  <a:schemeClr val="dk1"/>
+                </a:solidFill>
+                <a:latin typeface="Raleway"/>
+                <a:ea typeface="Raleway"/>
+                <a:cs typeface="Raleway"/>
+                <a:sym typeface="Raleway"/>
+              </a:rPr>
+              <a:t> &lt;</a:t>
+            </a:r>
+            <a:r>
+              <a:rPr lang="pt-BR" b="1" dirty="0" err="1">
+                <a:solidFill>
+                  <a:schemeClr val="dk1"/>
+                </a:solidFill>
+                <a:latin typeface="Raleway"/>
+                <a:ea typeface="Raleway"/>
+                <a:cs typeface="Raleway"/>
+                <a:sym typeface="Raleway"/>
+              </a:rPr>
+              <a:t>branch</a:t>
+            </a:r>
+            <a:r>
+              <a:rPr lang="pt-BR" b="1" dirty="0">
+                <a:solidFill>
+                  <a:schemeClr val="dk1"/>
+                </a:solidFill>
+                <a:latin typeface="Raleway"/>
+                <a:ea typeface="Raleway"/>
+                <a:cs typeface="Raleway"/>
+                <a:sym typeface="Raleway"/>
+              </a:rPr>
+              <a:t>&gt;</a:t>
             </a:r>
             <a:br>
-              <a:rPr lang="pt-BR" sz="1200">
+              <a:rPr lang="pt-BR" sz="1200" dirty="0">
                 <a:solidFill>
                   <a:schemeClr val="dk2"/>
                 </a:solidFill>
@@ -11678,7 +11817,7 @@
               </a:rPr>
             </a:br>
             <a:r>
-              <a:rPr lang="pt-BR" sz="1200">
+              <a:rPr lang="pt-BR" sz="1200" dirty="0">
                 <a:solidFill>
                   <a:schemeClr val="dk2"/>
                 </a:solidFill>
@@ -11687,9 +11826,69 @@
                 <a:cs typeface="Raleway"/>
                 <a:sym typeface="Raleway"/>
               </a:rPr>
-              <a:t>Pega commits de outra branch e insere na atual, removendo a outra branch</a:t>
-            </a:r>
-            <a:endParaRPr sz="1200">
+              <a:t>Pega </a:t>
+            </a:r>
+            <a:r>
+              <a:rPr lang="pt-BR" sz="1200" dirty="0" err="1">
+                <a:solidFill>
+                  <a:schemeClr val="dk2"/>
+                </a:solidFill>
+                <a:latin typeface="Raleway"/>
+                <a:ea typeface="Raleway"/>
+                <a:cs typeface="Raleway"/>
+                <a:sym typeface="Raleway"/>
+              </a:rPr>
+              <a:t>commits</a:t>
+            </a:r>
+            <a:r>
+              <a:rPr lang="pt-BR" sz="1200" dirty="0">
+                <a:solidFill>
+                  <a:schemeClr val="dk2"/>
+                </a:solidFill>
+                <a:latin typeface="Raleway"/>
+                <a:ea typeface="Raleway"/>
+                <a:cs typeface="Raleway"/>
+                <a:sym typeface="Raleway"/>
+              </a:rPr>
+              <a:t> de outra </a:t>
+            </a:r>
+            <a:r>
+              <a:rPr lang="pt-BR" sz="1200" dirty="0" err="1">
+                <a:solidFill>
+                  <a:schemeClr val="dk2"/>
+                </a:solidFill>
+                <a:latin typeface="Raleway"/>
+                <a:ea typeface="Raleway"/>
+                <a:cs typeface="Raleway"/>
+                <a:sym typeface="Raleway"/>
+              </a:rPr>
+              <a:t>branch</a:t>
+            </a:r>
+            <a:r>
+              <a:rPr lang="pt-BR" sz="1200" dirty="0">
+                <a:solidFill>
+                  <a:schemeClr val="dk2"/>
+                </a:solidFill>
+                <a:latin typeface="Raleway"/>
+                <a:ea typeface="Raleway"/>
+                <a:cs typeface="Raleway"/>
+                <a:sym typeface="Raleway"/>
+              </a:rPr>
+              <a:t> e insere na atual, removendo a outra </a:t>
+            </a:r>
+            <a:r>
+              <a:rPr lang="pt-BR" sz="1200" dirty="0" err="1">
+                <a:solidFill>
+                  <a:schemeClr val="dk2"/>
+                </a:solidFill>
+                <a:latin typeface="Raleway"/>
+                <a:ea typeface="Raleway"/>
+                <a:cs typeface="Raleway"/>
+                <a:sym typeface="Raleway"/>
+              </a:rPr>
+              <a:t>branch</a:t>
+            </a:r>
+            <a:endParaRPr lang="pt-BR" sz="1200" dirty="0">
               <a:solidFill>
                 <a:schemeClr val="dk2"/>
               </a:solidFill>
@@ -11700,19 +11899,294 @@
             </a:endParaRPr>
           </a:p>
           <a:p>
-            <a:pPr marL="457200" lvl="0" indent="0" algn="l" rtl="0">
+            <a:pPr marL="457200" indent="-304800">
               <a:lnSpc>
                 <a:spcPct val="115000"/>
               </a:lnSpc>
               <a:spcBef>
                 <a:spcPts val="700"/>
               </a:spcBef>
-              <a:spcAft>
-                <a:spcPts val="0"/>
-              </a:spcAft>
-              <a:buNone/>
+              <a:buClr>
+                <a:schemeClr val="dk1"/>
+              </a:buClr>
+              <a:buSzPts val="1200"/>
+              <a:buFont typeface="Raleway"/>
+              <a:buChar char="●"/>
             </a:pPr>
-            <a:endParaRPr sz="1200">
+            <a:r>
+              <a:rPr lang="pt-BR" b="1" dirty="0" err="1">
+                <a:solidFill>
+                  <a:schemeClr val="dk1"/>
+                </a:solidFill>
+                <a:latin typeface="Raleway"/>
+                <a:ea typeface="Raleway"/>
+                <a:cs typeface="Raleway"/>
+                <a:sym typeface="Raleway"/>
+              </a:rPr>
+              <a:t>git</a:t>
+            </a:r>
+            <a:r>
+              <a:rPr lang="pt-BR" b="1" dirty="0">
+                <a:solidFill>
+                  <a:schemeClr val="dk1"/>
+                </a:solidFill>
+                <a:latin typeface="Raleway"/>
+                <a:ea typeface="Raleway"/>
+                <a:cs typeface="Raleway"/>
+                <a:sym typeface="Raleway"/>
+              </a:rPr>
+              <a:t> </a:t>
+            </a:r>
+            <a:r>
+              <a:rPr lang="pt-BR" b="1" dirty="0" err="1">
+                <a:solidFill>
+                  <a:schemeClr val="dk1"/>
+                </a:solidFill>
+                <a:latin typeface="Raleway"/>
+                <a:ea typeface="Raleway"/>
+                <a:cs typeface="Raleway"/>
+                <a:sym typeface="Raleway"/>
+              </a:rPr>
+              <a:t>branch</a:t>
+            </a:r>
+            <a:r>
+              <a:rPr lang="pt-BR" b="1" dirty="0">
+                <a:solidFill>
+                  <a:schemeClr val="dk1"/>
+                </a:solidFill>
+                <a:latin typeface="Raleway"/>
+                <a:ea typeface="Raleway"/>
+                <a:cs typeface="Raleway"/>
+                <a:sym typeface="Raleway"/>
+              </a:rPr>
+              <a:t> -d &lt;</a:t>
+            </a:r>
+            <a:r>
+              <a:rPr lang="pt-BR" b="1" dirty="0" err="1">
+                <a:solidFill>
+                  <a:schemeClr val="dk1"/>
+                </a:solidFill>
+                <a:latin typeface="Raleway"/>
+                <a:ea typeface="Raleway"/>
+                <a:cs typeface="Raleway"/>
+                <a:sym typeface="Raleway"/>
+              </a:rPr>
+              <a:t>branch</a:t>
+            </a:r>
+            <a:r>
+              <a:rPr lang="pt-BR" b="1" dirty="0">
+                <a:solidFill>
+                  <a:schemeClr val="dk1"/>
+                </a:solidFill>
+                <a:latin typeface="Raleway"/>
+                <a:ea typeface="Raleway"/>
+                <a:cs typeface="Raleway"/>
+                <a:sym typeface="Raleway"/>
+              </a:rPr>
+              <a:t>&gt;</a:t>
+            </a:r>
+            <a:br>
+              <a:rPr lang="pt-BR" sz="1200" dirty="0">
+                <a:solidFill>
+                  <a:schemeClr val="dk2"/>
+                </a:solidFill>
+                <a:latin typeface="Raleway"/>
+                <a:ea typeface="Raleway"/>
+                <a:cs typeface="Raleway"/>
+                <a:sym typeface="Raleway"/>
+              </a:rPr>
+            </a:br>
+            <a:r>
+              <a:rPr lang="pt-BR" sz="1200" dirty="0">
+                <a:solidFill>
+                  <a:schemeClr val="dk2"/>
+                </a:solidFill>
+                <a:latin typeface="Raleway"/>
+                <a:ea typeface="Raleway"/>
+                <a:cs typeface="Raleway"/>
+                <a:sym typeface="Raleway"/>
+              </a:rPr>
+              <a:t>Deleta a </a:t>
+            </a:r>
+            <a:r>
+              <a:rPr lang="pt-BR" sz="1200" dirty="0" err="1">
+                <a:solidFill>
+                  <a:schemeClr val="dk2"/>
+                </a:solidFill>
+                <a:latin typeface="Raleway"/>
+                <a:ea typeface="Raleway"/>
+                <a:cs typeface="Raleway"/>
+                <a:sym typeface="Raleway"/>
+              </a:rPr>
+              <a:t>branch</a:t>
+            </a:r>
+            <a:r>
+              <a:rPr lang="pt-BR" sz="1200" dirty="0">
+                <a:solidFill>
+                  <a:schemeClr val="dk2"/>
+                </a:solidFill>
+                <a:latin typeface="Raleway"/>
+                <a:ea typeface="Raleway"/>
+                <a:cs typeface="Raleway"/>
+                <a:sym typeface="Raleway"/>
+              </a:rPr>
+              <a:t> local</a:t>
+            </a:r>
+          </a:p>
+          <a:p>
+            <a:pPr marL="457200" indent="-304800">
+              <a:lnSpc>
+                <a:spcPct val="115000"/>
+              </a:lnSpc>
+              <a:spcBef>
+                <a:spcPts val="700"/>
+              </a:spcBef>
+              <a:buClr>
+                <a:schemeClr val="dk1"/>
+              </a:buClr>
+              <a:buSzPts val="1200"/>
+              <a:buFont typeface="Raleway"/>
+              <a:buChar char="●"/>
+            </a:pPr>
+            <a:r>
+              <a:rPr lang="pt-BR" b="1" dirty="0" err="1">
+                <a:solidFill>
+                  <a:schemeClr val="dk1"/>
+                </a:solidFill>
+                <a:latin typeface="Raleway"/>
+                <a:ea typeface="Raleway"/>
+                <a:cs typeface="Raleway"/>
+                <a:sym typeface="Raleway"/>
+              </a:rPr>
+              <a:t>git</a:t>
+            </a:r>
+            <a:r>
+              <a:rPr lang="pt-BR" b="1" dirty="0">
+                <a:solidFill>
+                  <a:schemeClr val="dk1"/>
+                </a:solidFill>
+                <a:latin typeface="Raleway"/>
+                <a:ea typeface="Raleway"/>
+                <a:cs typeface="Raleway"/>
+                <a:sym typeface="Raleway"/>
+              </a:rPr>
+              <a:t> </a:t>
+            </a:r>
+            <a:r>
+              <a:rPr lang="pt-BR" b="1" dirty="0" err="1">
+                <a:solidFill>
+                  <a:schemeClr val="dk1"/>
+                </a:solidFill>
+                <a:latin typeface="Raleway"/>
+                <a:ea typeface="Raleway"/>
+                <a:cs typeface="Raleway"/>
+                <a:sym typeface="Raleway"/>
+              </a:rPr>
+              <a:t>push</a:t>
+            </a:r>
+            <a:r>
+              <a:rPr lang="pt-BR" b="1" dirty="0">
+                <a:solidFill>
+                  <a:schemeClr val="dk1"/>
+                </a:solidFill>
+                <a:latin typeface="Raleway"/>
+                <a:ea typeface="Raleway"/>
+                <a:cs typeface="Raleway"/>
+                <a:sym typeface="Raleway"/>
+              </a:rPr>
+              <a:t> -d &lt;remoto&gt; &lt;</a:t>
+            </a:r>
+            <a:r>
+              <a:rPr lang="pt-BR" b="1" dirty="0" err="1">
+                <a:solidFill>
+                  <a:schemeClr val="dk1"/>
+                </a:solidFill>
+                <a:latin typeface="Raleway"/>
+                <a:ea typeface="Raleway"/>
+                <a:cs typeface="Raleway"/>
+                <a:sym typeface="Raleway"/>
+              </a:rPr>
+              <a:t>branch</a:t>
+            </a:r>
+            <a:r>
+              <a:rPr lang="pt-BR" b="1" dirty="0">
+                <a:solidFill>
+                  <a:schemeClr val="dk1"/>
+                </a:solidFill>
+                <a:latin typeface="Raleway"/>
+                <a:ea typeface="Raleway"/>
+                <a:cs typeface="Raleway"/>
+                <a:sym typeface="Raleway"/>
+              </a:rPr>
+              <a:t>&gt;</a:t>
+            </a:r>
+            <a:br>
+              <a:rPr lang="pt-BR" sz="1200" dirty="0">
+                <a:solidFill>
+                  <a:schemeClr val="dk2"/>
+                </a:solidFill>
+                <a:latin typeface="Raleway"/>
+                <a:ea typeface="Raleway"/>
+                <a:cs typeface="Raleway"/>
+                <a:sym typeface="Raleway"/>
+              </a:rPr>
+            </a:br>
+            <a:r>
+              <a:rPr lang="pt-BR" sz="1200" dirty="0">
+                <a:solidFill>
+                  <a:schemeClr val="dk2"/>
+                </a:solidFill>
+                <a:latin typeface="Raleway"/>
+                <a:ea typeface="Raleway"/>
+                <a:cs typeface="Raleway"/>
+                <a:sym typeface="Raleway"/>
+              </a:rPr>
+              <a:t>Deleta a </a:t>
+            </a:r>
+            <a:r>
+              <a:rPr lang="pt-BR" sz="1200" dirty="0" err="1">
+                <a:solidFill>
+                  <a:schemeClr val="dk2"/>
+                </a:solidFill>
+                <a:latin typeface="Raleway"/>
+                <a:ea typeface="Raleway"/>
+                <a:cs typeface="Raleway"/>
+                <a:sym typeface="Raleway"/>
+              </a:rPr>
+              <a:t>branch</a:t>
+            </a:r>
+            <a:r>
+              <a:rPr lang="pt-BR" sz="1200" dirty="0">
+                <a:solidFill>
+                  <a:schemeClr val="dk2"/>
+                </a:solidFill>
+                <a:latin typeface="Raleway"/>
+                <a:ea typeface="Raleway"/>
+                <a:cs typeface="Raleway"/>
+                <a:sym typeface="Raleway"/>
+              </a:rPr>
+              <a:t> do remoto</a:t>
+            </a:r>
+          </a:p>
+          <a:p>
+            <a:pPr marL="457200" lvl="0" indent="-304800" algn="l" rtl="0">
+              <a:lnSpc>
+                <a:spcPct val="115000"/>
+              </a:lnSpc>
+              <a:spcBef>
+                <a:spcPts val="700"/>
+              </a:spcBef>
+              <a:spcAft>
+                <a:spcPts val="0"/>
+              </a:spcAft>
+              <a:buClr>
+                <a:schemeClr val="dk1"/>
+              </a:buClr>
+              <a:buSzPts val="1200"/>
+              <a:buFont typeface="Raleway"/>
+              <a:buChar char="●"/>
+            </a:pPr>
+            <a:endParaRPr lang="pt-BR" sz="1200" dirty="0">
               <a:solidFill>
                 <a:schemeClr val="dk2"/>
               </a:solidFill>
@@ -11731,11 +12205,34 @@
                 <a:spcPts val="700"/>
               </a:spcBef>
               <a:spcAft>
+                <a:spcPts val="0"/>
+              </a:spcAft>
+              <a:buNone/>
+            </a:pPr>
+            <a:endParaRPr sz="1200" dirty="0">
+              <a:solidFill>
+                <a:schemeClr val="dk2"/>
+              </a:solidFill>
+              <a:latin typeface="Raleway"/>
+              <a:ea typeface="Raleway"/>
+              <a:cs typeface="Raleway"/>
+              <a:sym typeface="Raleway"/>
+            </a:endParaRPr>
+          </a:p>
+          <a:p>
+            <a:pPr marL="457200" lvl="0" indent="0" algn="l" rtl="0">
+              <a:lnSpc>
+                <a:spcPct val="115000"/>
+              </a:lnSpc>
+              <a:spcBef>
                 <a:spcPts val="700"/>
+              </a:spcBef>
+              <a:spcAft>
+                <a:spcPts val="700"/>
               </a:spcAft>
               <a:buNone/>
             </a:pPr>
-            <a:endParaRPr sz="1200">
+            <a:endParaRPr sz="1200" dirty="0">
               <a:solidFill>
                 <a:srgbClr val="000000"/>
               </a:solidFill>
@@ -11743,6 +12240,113 @@
               <a:ea typeface="Raleway"/>
               <a:cs typeface="Raleway"/>
               <a:sym typeface="Raleway"/>
+            </a:endParaRPr>
+          </a:p>
+        </p:txBody>
+      </p:sp>
+      <p:sp>
+        <p:nvSpPr>
+          <p:cNvPr id="4" name="Rectangle 3">
+            <a:extLst>
+              <a:ext uri="{FF2B5EF4-FFF2-40B4-BE49-F238E27FC236}">
+                <a16:creationId xmlns:a16="http://schemas.microsoft.com/office/drawing/2014/main" id="{EE8E94E8-778D-4BD8-AB1D-D33919891C48}"/>
+              </a:ext>
+            </a:extLst>
+          </p:cNvPr>
+          <p:cNvSpPr>
+            <a:spLocks noChangeArrowheads="1"/>
+          </p:cNvSpPr>
+          <p:nvPr/>
+        </p:nvSpPr>
+        <p:spPr bwMode="auto">
+          <a:xfrm>
+            <a:off x="0" y="159350"/>
+            <a:ext cx="64120" cy="138499"/>
+          </a:xfrm>
+          <a:prstGeom prst="rect">
+            <a:avLst/>
+          </a:prstGeom>
+          <a:noFill/>
+          <a:ln>
+            <a:noFill/>
+          </a:ln>
+          <a:effectLst/>
+          <a:extLst>
+            <a:ext uri="{909E8E84-426E-40DD-AFC4-6F175D3DCCD1}">
+              <a14:hiddenFill xmlns:a14="http://schemas.microsoft.com/office/drawing/2010/main">
+                <a:solidFill>
+                  <a:schemeClr val="accent1"/>
+                </a:solidFill>
+              </a14:hiddenFill>
+            </a:ext>
+            <a:ext uri="{91240B29-F687-4F45-9708-019B960494DF}">
+              <a14:hiddenLine xmlns:a14="http://schemas.microsoft.com/office/drawing/2010/main" w="9525">
+                <a:solidFill>
+                  <a:schemeClr val="tx1"/>
+                </a:solidFill>
+                <a:miter lim="800000"/>
+                <a:headEnd/>
+                <a:tailEnd/>
+              </a14:hiddenLine>
+            </a:ext>
+            <a:ext uri="{AF507438-7753-43E0-B8FC-AC1667EBCBE1}">
+              <a14:hiddenEffects xmlns:a14="http://schemas.microsoft.com/office/drawing/2010/main">
+                <a:effectLst>
+                  <a:outerShdw dist="35921" dir="2700000" algn="ctr" rotWithShape="0">
+                    <a:schemeClr val="bg2"/>
+                  </a:outerShdw>
+                </a:effectLst>
+              </a14:hiddenEffects>
+            </a:ext>
+          </a:extLst>
+        </p:spPr>
+        <p:txBody>
+          <a:bodyPr vert="horz" wrap="none" lIns="0" tIns="0" rIns="0" bIns="0" numCol="1" anchor="ctr" anchorCtr="0" compatLnSpc="1">
+            <a:prstTxWarp prst="textNoShape">
+              <a:avLst/>
+            </a:prstTxWarp>
+            <a:spAutoFit/>
+          </a:bodyPr>
+          <a:lstStyle/>
+          <a:p>
+            <a:pPr marL="0" marR="0" lvl="0" indent="0" algn="l" defTabSz="914400" rtl="0" eaLnBrk="0" fontAlgn="base" latinLnBrk="0" hangingPunct="0">
+              <a:lnSpc>
+                <a:spcPct val="100000"/>
+              </a:lnSpc>
+              <a:spcBef>
+                <a:spcPct val="0"/>
+              </a:spcBef>
+              <a:spcAft>
+                <a:spcPct val="0"/>
+              </a:spcAft>
+              <a:buClrTx/>
+              <a:buSzTx/>
+              <a:buFontTx/>
+              <a:buNone/>
+              <a:tabLst/>
+            </a:pPr>
+            <a:r>
+              <a:rPr kumimoji="0" lang="pt-BR" altLang="pt-BR" sz="900" b="0" i="0" u="none" strike="noStrike" cap="none" normalizeH="0" baseline="0" dirty="0">
+                <a:ln>
+                  <a:noFill/>
+                </a:ln>
+                <a:solidFill>
+                  <a:schemeClr val="tx1"/>
+                </a:solidFill>
+                <a:effectLst/>
+                <a:latin typeface="Consolas" panose="020B0609020204030204" pitchFamily="49" charset="0"/>
+              </a:rPr>
+              <a:t> </a:t>
+            </a:r>
+            <a:endParaRPr kumimoji="0" lang="pt-BR" altLang="pt-BR" sz="1800" b="0" i="0" u="none" strike="noStrike" cap="none" normalizeH="0" baseline="0" dirty="0">
+              <a:ln>
+                <a:noFill/>
+              </a:ln>
+              <a:solidFill>
+                <a:schemeClr val="tx1"/>
+              </a:solidFill>
+              <a:effectLst/>
+              <a:latin typeface="Arial" panose="020B0604020202020204" pitchFamily="34" charset="0"/>
             </a:endParaRPr>
           </a:p>
         </p:txBody>
